--- a/src/Background_Web.pptx
+++ b/src/Background_Web.pptx
@@ -104,6 +104,11 @@
       </a:defRPr>
     </a:lvl9pPr>
   </p:defaultTextStyle>
+  <p:extLst>
+    <p:ext uri="{EFAFB233-063F-42B5-8137-9DF3F51BA10A}">
+      <p15:sldGuideLst xmlns:p15="http://schemas.microsoft.com/office/powerpoint/2012/main"/>
+    </p:ext>
+  </p:extLst>
 </p:presentation>
 </file>
 
@@ -254,7 +259,7 @@
           <a:p>
             <a:fld id="{D3E4E7A0-DFC1-483E-B0F6-FE051D7ADA8A}" type="datetimeFigureOut">
               <a:rPr lang="en-US" smtClean="0"/>
-              <a:t>12-10-2023</a:t>
+              <a:t>23-10-2023</a:t>
             </a:fld>
             <a:endParaRPr lang="en-US"/>
           </a:p>
@@ -452,7 +457,7 @@
           <a:p>
             <a:fld id="{D3E4E7A0-DFC1-483E-B0F6-FE051D7ADA8A}" type="datetimeFigureOut">
               <a:rPr lang="en-US" smtClean="0"/>
-              <a:t>12-10-2023</a:t>
+              <a:t>23-10-2023</a:t>
             </a:fld>
             <a:endParaRPr lang="en-US"/>
           </a:p>
@@ -660,7 +665,7 @@
           <a:p>
             <a:fld id="{D3E4E7A0-DFC1-483E-B0F6-FE051D7ADA8A}" type="datetimeFigureOut">
               <a:rPr lang="en-US" smtClean="0"/>
-              <a:t>12-10-2023</a:t>
+              <a:t>23-10-2023</a:t>
             </a:fld>
             <a:endParaRPr lang="en-US"/>
           </a:p>
@@ -858,7 +863,7 @@
           <a:p>
             <a:fld id="{D3E4E7A0-DFC1-483E-B0F6-FE051D7ADA8A}" type="datetimeFigureOut">
               <a:rPr lang="en-US" smtClean="0"/>
-              <a:t>12-10-2023</a:t>
+              <a:t>23-10-2023</a:t>
             </a:fld>
             <a:endParaRPr lang="en-US"/>
           </a:p>
@@ -1133,7 +1138,7 @@
           <a:p>
             <a:fld id="{D3E4E7A0-DFC1-483E-B0F6-FE051D7ADA8A}" type="datetimeFigureOut">
               <a:rPr lang="en-US" smtClean="0"/>
-              <a:t>12-10-2023</a:t>
+              <a:t>23-10-2023</a:t>
             </a:fld>
             <a:endParaRPr lang="en-US"/>
           </a:p>
@@ -1398,7 +1403,7 @@
           <a:p>
             <a:fld id="{D3E4E7A0-DFC1-483E-B0F6-FE051D7ADA8A}" type="datetimeFigureOut">
               <a:rPr lang="en-US" smtClean="0"/>
-              <a:t>12-10-2023</a:t>
+              <a:t>23-10-2023</a:t>
             </a:fld>
             <a:endParaRPr lang="en-US"/>
           </a:p>
@@ -1810,7 +1815,7 @@
           <a:p>
             <a:fld id="{D3E4E7A0-DFC1-483E-B0F6-FE051D7ADA8A}" type="datetimeFigureOut">
               <a:rPr lang="en-US" smtClean="0"/>
-              <a:t>12-10-2023</a:t>
+              <a:t>23-10-2023</a:t>
             </a:fld>
             <a:endParaRPr lang="en-US"/>
           </a:p>
@@ -1951,7 +1956,7 @@
           <a:p>
             <a:fld id="{D3E4E7A0-DFC1-483E-B0F6-FE051D7ADA8A}" type="datetimeFigureOut">
               <a:rPr lang="en-US" smtClean="0"/>
-              <a:t>12-10-2023</a:t>
+              <a:t>23-10-2023</a:t>
             </a:fld>
             <a:endParaRPr lang="en-US"/>
           </a:p>
@@ -2064,7 +2069,7 @@
           <a:p>
             <a:fld id="{D3E4E7A0-DFC1-483E-B0F6-FE051D7ADA8A}" type="datetimeFigureOut">
               <a:rPr lang="en-US" smtClean="0"/>
-              <a:t>12-10-2023</a:t>
+              <a:t>23-10-2023</a:t>
             </a:fld>
             <a:endParaRPr lang="en-US"/>
           </a:p>
@@ -2375,7 +2380,7 @@
           <a:p>
             <a:fld id="{D3E4E7A0-DFC1-483E-B0F6-FE051D7ADA8A}" type="datetimeFigureOut">
               <a:rPr lang="en-US" smtClean="0"/>
-              <a:t>12-10-2023</a:t>
+              <a:t>23-10-2023</a:t>
             </a:fld>
             <a:endParaRPr lang="en-US"/>
           </a:p>
@@ -2663,7 +2668,7 @@
           <a:p>
             <a:fld id="{D3E4E7A0-DFC1-483E-B0F6-FE051D7ADA8A}" type="datetimeFigureOut">
               <a:rPr lang="en-US" smtClean="0"/>
-              <a:t>12-10-2023</a:t>
+              <a:t>23-10-2023</a:t>
             </a:fld>
             <a:endParaRPr lang="en-US"/>
           </a:p>
@@ -2904,7 +2909,7 @@
           <a:p>
             <a:fld id="{D3E4E7A0-DFC1-483E-B0F6-FE051D7ADA8A}" type="datetimeFigureOut">
               <a:rPr lang="en-US" smtClean="0"/>
-              <a:t>12-10-2023</a:t>
+              <a:t>23-10-2023</a:t>
             </a:fld>
             <a:endParaRPr lang="en-US"/>
           </a:p>
@@ -3321,2548 +3326,49 @@
           <a:chExt cx="0" cy="0"/>
         </a:xfrm>
       </p:grpSpPr>
-      <p:sp>
-        <p:nvSpPr>
-          <p:cNvPr id="4" name="Rectangle 3">
-            <a:extLst>
-              <a:ext uri="{FF2B5EF4-FFF2-40B4-BE49-F238E27FC236}">
-                <a16:creationId xmlns:a16="http://schemas.microsoft.com/office/drawing/2014/main" id="{05944A60-B8F4-CFB1-B10C-56B638BB3C98}"/>
-              </a:ext>
-            </a:extLst>
-          </p:cNvPr>
-          <p:cNvSpPr/>
+      <p:cxnSp>
+        <p:nvCxnSpPr>
+          <p:cNvPr id="81" name="Straight Connector 80">
+            <a:extLst>
+              <a:ext uri="{FF2B5EF4-FFF2-40B4-BE49-F238E27FC236}">
+                <a16:creationId xmlns:a16="http://schemas.microsoft.com/office/drawing/2014/main" id="{1D9A2514-F454-D1ED-D78D-E8196DC8B884}"/>
+              </a:ext>
+            </a:extLst>
+          </p:cNvPr>
+          <p:cNvCxnSpPr>
+            <a:cxnSpLocks/>
+          </p:cNvCxnSpPr>
           <p:nvPr/>
-        </p:nvSpPr>
+        </p:nvCxnSpPr>
         <p:spPr>
           <a:xfrm>
-            <a:off x="319320" y="225913"/>
-            <a:ext cx="1020417" cy="980661"/>
+            <a:off x="-60385" y="5965372"/>
+            <a:ext cx="12252385" cy="0"/>
           </a:xfrm>
-          <a:prstGeom prst="rect">
+          <a:prstGeom prst="line">
             <a:avLst/>
           </a:prstGeom>
-          <a:solidFill>
-            <a:schemeClr val="bg2">
-              <a:lumMod val="75000"/>
-            </a:schemeClr>
-          </a:solidFill>
+          <a:ln w="57150">
+            <a:solidFill>
+              <a:schemeClr val="tx1"/>
+            </a:solidFill>
+          </a:ln>
         </p:spPr>
         <p:style>
-          <a:lnRef idx="2">
-            <a:schemeClr val="accent1">
-              <a:shade val="15000"/>
-            </a:schemeClr>
+          <a:lnRef idx="1">
+            <a:schemeClr val="accent1"/>
           </a:lnRef>
-          <a:fillRef idx="1">
+          <a:fillRef idx="0">
             <a:schemeClr val="accent1"/>
           </a:fillRef>
           <a:effectRef idx="0">
             <a:schemeClr val="accent1"/>
           </a:effectRef>
           <a:fontRef idx="minor">
-            <a:schemeClr val="lt1"/>
+            <a:schemeClr val="tx1"/>
           </a:fontRef>
         </p:style>
-        <p:txBody>
-          <a:bodyPr rtlCol="0" anchor="ctr"/>
-          <a:lstStyle/>
-          <a:p>
-            <a:pPr algn="ctr"/>
-            <a:endParaRPr lang="en-US"/>
-          </a:p>
-        </p:txBody>
-      </p:sp>
-      <p:sp>
-        <p:nvSpPr>
-          <p:cNvPr id="5" name="Rectangle 4">
-            <a:extLst>
-              <a:ext uri="{FF2B5EF4-FFF2-40B4-BE49-F238E27FC236}">
-                <a16:creationId xmlns:a16="http://schemas.microsoft.com/office/drawing/2014/main" id="{E1FA7715-95E9-497D-FEF4-A1C158C62B4C}"/>
-              </a:ext>
-            </a:extLst>
-          </p:cNvPr>
-          <p:cNvSpPr/>
-          <p:nvPr/>
-        </p:nvSpPr>
-        <p:spPr>
-          <a:xfrm>
-            <a:off x="1492138" y="225913"/>
-            <a:ext cx="1020417" cy="980661"/>
-          </a:xfrm>
-          <a:prstGeom prst="rect">
-            <a:avLst/>
-          </a:prstGeom>
-          <a:solidFill>
-            <a:schemeClr val="bg2">
-              <a:lumMod val="75000"/>
-            </a:schemeClr>
-          </a:solidFill>
-        </p:spPr>
-        <p:style>
-          <a:lnRef idx="2">
-            <a:schemeClr val="accent1">
-              <a:shade val="15000"/>
-            </a:schemeClr>
-          </a:lnRef>
-          <a:fillRef idx="1">
-            <a:schemeClr val="accent1"/>
-          </a:fillRef>
-          <a:effectRef idx="0">
-            <a:schemeClr val="accent1"/>
-          </a:effectRef>
-          <a:fontRef idx="minor">
-            <a:schemeClr val="lt1"/>
-          </a:fontRef>
-        </p:style>
-        <p:txBody>
-          <a:bodyPr rtlCol="0" anchor="ctr"/>
-          <a:lstStyle/>
-          <a:p>
-            <a:pPr algn="ctr"/>
-            <a:endParaRPr lang="en-US"/>
-          </a:p>
-        </p:txBody>
-      </p:sp>
-      <p:sp>
-        <p:nvSpPr>
-          <p:cNvPr id="6" name="Rectangle 5">
-            <a:extLst>
-              <a:ext uri="{FF2B5EF4-FFF2-40B4-BE49-F238E27FC236}">
-                <a16:creationId xmlns:a16="http://schemas.microsoft.com/office/drawing/2014/main" id="{EEC54978-F359-0BEA-B60D-A98F50B80FBC}"/>
-              </a:ext>
-            </a:extLst>
-          </p:cNvPr>
-          <p:cNvSpPr/>
-          <p:nvPr/>
-        </p:nvSpPr>
-        <p:spPr>
-          <a:xfrm>
-            <a:off x="2664956" y="225915"/>
-            <a:ext cx="1020417" cy="980661"/>
-          </a:xfrm>
-          <a:prstGeom prst="rect">
-            <a:avLst/>
-          </a:prstGeom>
-          <a:solidFill>
-            <a:schemeClr val="bg2">
-              <a:lumMod val="75000"/>
-            </a:schemeClr>
-          </a:solidFill>
-        </p:spPr>
-        <p:style>
-          <a:lnRef idx="2">
-            <a:schemeClr val="accent1">
-              <a:shade val="15000"/>
-            </a:schemeClr>
-          </a:lnRef>
-          <a:fillRef idx="1">
-            <a:schemeClr val="accent1"/>
-          </a:fillRef>
-          <a:effectRef idx="0">
-            <a:schemeClr val="accent1"/>
-          </a:effectRef>
-          <a:fontRef idx="minor">
-            <a:schemeClr val="lt1"/>
-          </a:fontRef>
-        </p:style>
-        <p:txBody>
-          <a:bodyPr rtlCol="0" anchor="ctr"/>
-          <a:lstStyle/>
-          <a:p>
-            <a:pPr algn="ctr"/>
-            <a:endParaRPr lang="en-US"/>
-          </a:p>
-        </p:txBody>
-      </p:sp>
-      <p:sp>
-        <p:nvSpPr>
-          <p:cNvPr id="7" name="Rectangle 6">
-            <a:extLst>
-              <a:ext uri="{FF2B5EF4-FFF2-40B4-BE49-F238E27FC236}">
-                <a16:creationId xmlns:a16="http://schemas.microsoft.com/office/drawing/2014/main" id="{027D8DB5-23DB-4607-2B9F-2BEEF6EA383E}"/>
-              </a:ext>
-            </a:extLst>
-          </p:cNvPr>
-          <p:cNvSpPr/>
-          <p:nvPr/>
-        </p:nvSpPr>
-        <p:spPr>
-          <a:xfrm>
-            <a:off x="3831147" y="225915"/>
-            <a:ext cx="1020417" cy="980661"/>
-          </a:xfrm>
-          <a:prstGeom prst="rect">
-            <a:avLst/>
-          </a:prstGeom>
-          <a:solidFill>
-            <a:schemeClr val="bg2">
-              <a:lumMod val="75000"/>
-            </a:schemeClr>
-          </a:solidFill>
-        </p:spPr>
-        <p:style>
-          <a:lnRef idx="2">
-            <a:schemeClr val="accent1">
-              <a:shade val="15000"/>
-            </a:schemeClr>
-          </a:lnRef>
-          <a:fillRef idx="1">
-            <a:schemeClr val="accent1"/>
-          </a:fillRef>
-          <a:effectRef idx="0">
-            <a:schemeClr val="accent1"/>
-          </a:effectRef>
-          <a:fontRef idx="minor">
-            <a:schemeClr val="lt1"/>
-          </a:fontRef>
-        </p:style>
-        <p:txBody>
-          <a:bodyPr rtlCol="0" anchor="ctr"/>
-          <a:lstStyle/>
-          <a:p>
-            <a:pPr algn="ctr"/>
-            <a:endParaRPr lang="en-US"/>
-          </a:p>
-        </p:txBody>
-      </p:sp>
-      <p:sp>
-        <p:nvSpPr>
-          <p:cNvPr id="8" name="Rectangle 7">
-            <a:extLst>
-              <a:ext uri="{FF2B5EF4-FFF2-40B4-BE49-F238E27FC236}">
-                <a16:creationId xmlns:a16="http://schemas.microsoft.com/office/drawing/2014/main" id="{6720B1D4-BBB0-0F8A-9A62-BCD230ACEE2E}"/>
-              </a:ext>
-            </a:extLst>
-          </p:cNvPr>
-          <p:cNvSpPr/>
-          <p:nvPr/>
-        </p:nvSpPr>
-        <p:spPr>
-          <a:xfrm>
-            <a:off x="5003964" y="225915"/>
-            <a:ext cx="1020417" cy="980661"/>
-          </a:xfrm>
-          <a:prstGeom prst="rect">
-            <a:avLst/>
-          </a:prstGeom>
-          <a:solidFill>
-            <a:schemeClr val="bg2">
-              <a:lumMod val="75000"/>
-            </a:schemeClr>
-          </a:solidFill>
-        </p:spPr>
-        <p:style>
-          <a:lnRef idx="2">
-            <a:schemeClr val="accent1">
-              <a:shade val="15000"/>
-            </a:schemeClr>
-          </a:lnRef>
-          <a:fillRef idx="1">
-            <a:schemeClr val="accent1"/>
-          </a:fillRef>
-          <a:effectRef idx="0">
-            <a:schemeClr val="accent1"/>
-          </a:effectRef>
-          <a:fontRef idx="minor">
-            <a:schemeClr val="lt1"/>
-          </a:fontRef>
-        </p:style>
-        <p:txBody>
-          <a:bodyPr rtlCol="0" anchor="ctr"/>
-          <a:lstStyle/>
-          <a:p>
-            <a:pPr algn="ctr"/>
-            <a:endParaRPr lang="en-US"/>
-          </a:p>
-        </p:txBody>
-      </p:sp>
-      <p:sp>
-        <p:nvSpPr>
-          <p:cNvPr id="9" name="Rectangle 8">
-            <a:extLst>
-              <a:ext uri="{FF2B5EF4-FFF2-40B4-BE49-F238E27FC236}">
-                <a16:creationId xmlns:a16="http://schemas.microsoft.com/office/drawing/2014/main" id="{EF72D73F-3A3F-B36C-7EFF-792956F1BA3B}"/>
-              </a:ext>
-            </a:extLst>
-          </p:cNvPr>
-          <p:cNvSpPr/>
-          <p:nvPr/>
-        </p:nvSpPr>
-        <p:spPr>
-          <a:xfrm>
-            <a:off x="6176780" y="225915"/>
-            <a:ext cx="1020417" cy="980661"/>
-          </a:xfrm>
-          <a:prstGeom prst="rect">
-            <a:avLst/>
-          </a:prstGeom>
-          <a:solidFill>
-            <a:schemeClr val="bg2">
-              <a:lumMod val="75000"/>
-            </a:schemeClr>
-          </a:solidFill>
-        </p:spPr>
-        <p:style>
-          <a:lnRef idx="2">
-            <a:schemeClr val="accent1">
-              <a:shade val="15000"/>
-            </a:schemeClr>
-          </a:lnRef>
-          <a:fillRef idx="1">
-            <a:schemeClr val="accent1"/>
-          </a:fillRef>
-          <a:effectRef idx="0">
-            <a:schemeClr val="accent1"/>
-          </a:effectRef>
-          <a:fontRef idx="minor">
-            <a:schemeClr val="lt1"/>
-          </a:fontRef>
-        </p:style>
-        <p:txBody>
-          <a:bodyPr rtlCol="0" anchor="ctr"/>
-          <a:lstStyle/>
-          <a:p>
-            <a:pPr algn="ctr"/>
-            <a:endParaRPr lang="en-US"/>
-          </a:p>
-        </p:txBody>
-      </p:sp>
-      <p:sp>
-        <p:nvSpPr>
-          <p:cNvPr id="10" name="Rectangle 9">
-            <a:extLst>
-              <a:ext uri="{FF2B5EF4-FFF2-40B4-BE49-F238E27FC236}">
-                <a16:creationId xmlns:a16="http://schemas.microsoft.com/office/drawing/2014/main" id="{BC1ACB1F-F9BA-E706-3F55-3611E216B926}"/>
-              </a:ext>
-            </a:extLst>
-          </p:cNvPr>
-          <p:cNvSpPr/>
-          <p:nvPr/>
-        </p:nvSpPr>
-        <p:spPr>
-          <a:xfrm>
-            <a:off x="7349598" y="225915"/>
-            <a:ext cx="1020417" cy="980661"/>
-          </a:xfrm>
-          <a:prstGeom prst="rect">
-            <a:avLst/>
-          </a:prstGeom>
-          <a:solidFill>
-            <a:schemeClr val="bg2">
-              <a:lumMod val="75000"/>
-            </a:schemeClr>
-          </a:solidFill>
-        </p:spPr>
-        <p:style>
-          <a:lnRef idx="2">
-            <a:schemeClr val="accent1">
-              <a:shade val="15000"/>
-            </a:schemeClr>
-          </a:lnRef>
-          <a:fillRef idx="1">
-            <a:schemeClr val="accent1"/>
-          </a:fillRef>
-          <a:effectRef idx="0">
-            <a:schemeClr val="accent1"/>
-          </a:effectRef>
-          <a:fontRef idx="minor">
-            <a:schemeClr val="lt1"/>
-          </a:fontRef>
-        </p:style>
-        <p:txBody>
-          <a:bodyPr rtlCol="0" anchor="ctr"/>
-          <a:lstStyle/>
-          <a:p>
-            <a:pPr algn="ctr"/>
-            <a:endParaRPr lang="en-US"/>
-          </a:p>
-        </p:txBody>
-      </p:sp>
-      <p:sp>
-        <p:nvSpPr>
-          <p:cNvPr id="11" name="Rectangle 10">
-            <a:extLst>
-              <a:ext uri="{FF2B5EF4-FFF2-40B4-BE49-F238E27FC236}">
-                <a16:creationId xmlns:a16="http://schemas.microsoft.com/office/drawing/2014/main" id="{B599F995-07E1-AD16-F0E8-FB23A7905C54}"/>
-              </a:ext>
-            </a:extLst>
-          </p:cNvPr>
-          <p:cNvSpPr/>
-          <p:nvPr/>
-        </p:nvSpPr>
-        <p:spPr>
-          <a:xfrm>
-            <a:off x="8522415" y="225915"/>
-            <a:ext cx="1020417" cy="980661"/>
-          </a:xfrm>
-          <a:prstGeom prst="rect">
-            <a:avLst/>
-          </a:prstGeom>
-          <a:solidFill>
-            <a:schemeClr val="bg2">
-              <a:lumMod val="75000"/>
-            </a:schemeClr>
-          </a:solidFill>
-        </p:spPr>
-        <p:style>
-          <a:lnRef idx="2">
-            <a:schemeClr val="accent1">
-              <a:shade val="15000"/>
-            </a:schemeClr>
-          </a:lnRef>
-          <a:fillRef idx="1">
-            <a:schemeClr val="accent1"/>
-          </a:fillRef>
-          <a:effectRef idx="0">
-            <a:schemeClr val="accent1"/>
-          </a:effectRef>
-          <a:fontRef idx="minor">
-            <a:schemeClr val="lt1"/>
-          </a:fontRef>
-        </p:style>
-        <p:txBody>
-          <a:bodyPr rtlCol="0" anchor="ctr"/>
-          <a:lstStyle/>
-          <a:p>
-            <a:pPr algn="ctr"/>
-            <a:endParaRPr lang="en-US"/>
-          </a:p>
-        </p:txBody>
-      </p:sp>
-      <p:sp>
-        <p:nvSpPr>
-          <p:cNvPr id="12" name="Rectangle 11">
-            <a:extLst>
-              <a:ext uri="{FF2B5EF4-FFF2-40B4-BE49-F238E27FC236}">
-                <a16:creationId xmlns:a16="http://schemas.microsoft.com/office/drawing/2014/main" id="{39FB0985-E58A-88B0-0172-3BF476765014}"/>
-              </a:ext>
-            </a:extLst>
-          </p:cNvPr>
-          <p:cNvSpPr/>
-          <p:nvPr/>
-        </p:nvSpPr>
-        <p:spPr>
-          <a:xfrm>
-            <a:off x="9695232" y="225915"/>
-            <a:ext cx="1020417" cy="980661"/>
-          </a:xfrm>
-          <a:prstGeom prst="rect">
-            <a:avLst/>
-          </a:prstGeom>
-          <a:solidFill>
-            <a:schemeClr val="bg2">
-              <a:lumMod val="75000"/>
-            </a:schemeClr>
-          </a:solidFill>
-        </p:spPr>
-        <p:style>
-          <a:lnRef idx="2">
-            <a:schemeClr val="accent1">
-              <a:shade val="15000"/>
-            </a:schemeClr>
-          </a:lnRef>
-          <a:fillRef idx="1">
-            <a:schemeClr val="accent1"/>
-          </a:fillRef>
-          <a:effectRef idx="0">
-            <a:schemeClr val="accent1"/>
-          </a:effectRef>
-          <a:fontRef idx="minor">
-            <a:schemeClr val="lt1"/>
-          </a:fontRef>
-        </p:style>
-        <p:txBody>
-          <a:bodyPr rtlCol="0" anchor="ctr"/>
-          <a:lstStyle/>
-          <a:p>
-            <a:pPr algn="ctr"/>
-            <a:endParaRPr lang="en-US"/>
-          </a:p>
-        </p:txBody>
-      </p:sp>
-      <p:sp>
-        <p:nvSpPr>
-          <p:cNvPr id="13" name="Rectangle 12">
-            <a:extLst>
-              <a:ext uri="{FF2B5EF4-FFF2-40B4-BE49-F238E27FC236}">
-                <a16:creationId xmlns:a16="http://schemas.microsoft.com/office/drawing/2014/main" id="{412342C7-F4AF-80CB-B3F9-7AA31B21BEF4}"/>
-              </a:ext>
-            </a:extLst>
-          </p:cNvPr>
-          <p:cNvSpPr/>
-          <p:nvPr/>
-        </p:nvSpPr>
-        <p:spPr>
-          <a:xfrm>
-            <a:off x="10868047" y="225913"/>
-            <a:ext cx="1020417" cy="980661"/>
-          </a:xfrm>
-          <a:prstGeom prst="rect">
-            <a:avLst/>
-          </a:prstGeom>
-          <a:solidFill>
-            <a:schemeClr val="bg2">
-              <a:lumMod val="75000"/>
-            </a:schemeClr>
-          </a:solidFill>
-        </p:spPr>
-        <p:style>
-          <a:lnRef idx="2">
-            <a:schemeClr val="accent1">
-              <a:shade val="15000"/>
-            </a:schemeClr>
-          </a:lnRef>
-          <a:fillRef idx="1">
-            <a:schemeClr val="accent1"/>
-          </a:fillRef>
-          <a:effectRef idx="0">
-            <a:schemeClr val="accent1"/>
-          </a:effectRef>
-          <a:fontRef idx="minor">
-            <a:schemeClr val="lt1"/>
-          </a:fontRef>
-        </p:style>
-        <p:txBody>
-          <a:bodyPr rtlCol="0" anchor="ctr"/>
-          <a:lstStyle/>
-          <a:p>
-            <a:pPr algn="ctr"/>
-            <a:endParaRPr lang="en-US"/>
-          </a:p>
-        </p:txBody>
-      </p:sp>
-      <p:sp>
-        <p:nvSpPr>
-          <p:cNvPr id="16" name="Rectangle 15">
-            <a:extLst>
-              <a:ext uri="{FF2B5EF4-FFF2-40B4-BE49-F238E27FC236}">
-                <a16:creationId xmlns:a16="http://schemas.microsoft.com/office/drawing/2014/main" id="{4BEDACF4-E15B-C411-C824-826D0D1DE9B6}"/>
-              </a:ext>
-            </a:extLst>
-          </p:cNvPr>
-          <p:cNvSpPr/>
-          <p:nvPr/>
-        </p:nvSpPr>
-        <p:spPr>
-          <a:xfrm>
-            <a:off x="319320" y="1392105"/>
-            <a:ext cx="1020417" cy="980661"/>
-          </a:xfrm>
-          <a:prstGeom prst="rect">
-            <a:avLst/>
-          </a:prstGeom>
-          <a:solidFill>
-            <a:schemeClr val="accent2">
-              <a:lumMod val="40000"/>
-              <a:lumOff val="60000"/>
-            </a:schemeClr>
-          </a:solidFill>
-        </p:spPr>
-        <p:style>
-          <a:lnRef idx="2">
-            <a:schemeClr val="accent1">
-              <a:shade val="15000"/>
-            </a:schemeClr>
-          </a:lnRef>
-          <a:fillRef idx="1">
-            <a:schemeClr val="accent1"/>
-          </a:fillRef>
-          <a:effectRef idx="0">
-            <a:schemeClr val="accent1"/>
-          </a:effectRef>
-          <a:fontRef idx="minor">
-            <a:schemeClr val="lt1"/>
-          </a:fontRef>
-        </p:style>
-        <p:txBody>
-          <a:bodyPr rtlCol="0" anchor="ctr"/>
-          <a:lstStyle/>
-          <a:p>
-            <a:pPr algn="ctr"/>
-            <a:endParaRPr lang="en-US"/>
-          </a:p>
-        </p:txBody>
-      </p:sp>
-      <p:sp>
-        <p:nvSpPr>
-          <p:cNvPr id="17" name="Rectangle 16">
-            <a:extLst>
-              <a:ext uri="{FF2B5EF4-FFF2-40B4-BE49-F238E27FC236}">
-                <a16:creationId xmlns:a16="http://schemas.microsoft.com/office/drawing/2014/main" id="{398AD780-99E4-A06B-9FDB-4BD838CA41F7}"/>
-              </a:ext>
-            </a:extLst>
-          </p:cNvPr>
-          <p:cNvSpPr/>
-          <p:nvPr/>
-        </p:nvSpPr>
-        <p:spPr>
-          <a:xfrm>
-            <a:off x="1492138" y="1392105"/>
-            <a:ext cx="1020417" cy="980661"/>
-          </a:xfrm>
-          <a:prstGeom prst="rect">
-            <a:avLst/>
-          </a:prstGeom>
-          <a:solidFill>
-            <a:schemeClr val="accent2">
-              <a:lumMod val="40000"/>
-              <a:lumOff val="60000"/>
-            </a:schemeClr>
-          </a:solidFill>
-        </p:spPr>
-        <p:style>
-          <a:lnRef idx="2">
-            <a:schemeClr val="accent1">
-              <a:shade val="15000"/>
-            </a:schemeClr>
-          </a:lnRef>
-          <a:fillRef idx="1">
-            <a:schemeClr val="accent1"/>
-          </a:fillRef>
-          <a:effectRef idx="0">
-            <a:schemeClr val="accent1"/>
-          </a:effectRef>
-          <a:fontRef idx="minor">
-            <a:schemeClr val="lt1"/>
-          </a:fontRef>
-        </p:style>
-        <p:txBody>
-          <a:bodyPr rtlCol="0" anchor="ctr"/>
-          <a:lstStyle/>
-          <a:p>
-            <a:pPr algn="ctr"/>
-            <a:endParaRPr lang="en-US"/>
-          </a:p>
-        </p:txBody>
-      </p:sp>
-      <p:sp>
-        <p:nvSpPr>
-          <p:cNvPr id="18" name="Rectangle 17">
-            <a:extLst>
-              <a:ext uri="{FF2B5EF4-FFF2-40B4-BE49-F238E27FC236}">
-                <a16:creationId xmlns:a16="http://schemas.microsoft.com/office/drawing/2014/main" id="{39B8396A-D740-CC83-B2BF-FD850560EA74}"/>
-              </a:ext>
-            </a:extLst>
-          </p:cNvPr>
-          <p:cNvSpPr/>
-          <p:nvPr/>
-        </p:nvSpPr>
-        <p:spPr>
-          <a:xfrm>
-            <a:off x="2664956" y="1392107"/>
-            <a:ext cx="1020417" cy="980661"/>
-          </a:xfrm>
-          <a:prstGeom prst="rect">
-            <a:avLst/>
-          </a:prstGeom>
-          <a:solidFill>
-            <a:schemeClr val="accent2">
-              <a:lumMod val="40000"/>
-              <a:lumOff val="60000"/>
-            </a:schemeClr>
-          </a:solidFill>
-        </p:spPr>
-        <p:style>
-          <a:lnRef idx="2">
-            <a:schemeClr val="accent1">
-              <a:shade val="15000"/>
-            </a:schemeClr>
-          </a:lnRef>
-          <a:fillRef idx="1">
-            <a:schemeClr val="accent1"/>
-          </a:fillRef>
-          <a:effectRef idx="0">
-            <a:schemeClr val="accent1"/>
-          </a:effectRef>
-          <a:fontRef idx="minor">
-            <a:schemeClr val="lt1"/>
-          </a:fontRef>
-        </p:style>
-        <p:txBody>
-          <a:bodyPr rtlCol="0" anchor="ctr"/>
-          <a:lstStyle/>
-          <a:p>
-            <a:pPr algn="ctr"/>
-            <a:endParaRPr lang="en-US"/>
-          </a:p>
-        </p:txBody>
-      </p:sp>
-      <p:sp>
-        <p:nvSpPr>
-          <p:cNvPr id="19" name="Rectangle 18">
-            <a:extLst>
-              <a:ext uri="{FF2B5EF4-FFF2-40B4-BE49-F238E27FC236}">
-                <a16:creationId xmlns:a16="http://schemas.microsoft.com/office/drawing/2014/main" id="{E566B00F-A776-31D6-9FF4-DDDCDC1DDC86}"/>
-              </a:ext>
-            </a:extLst>
-          </p:cNvPr>
-          <p:cNvSpPr/>
-          <p:nvPr/>
-        </p:nvSpPr>
-        <p:spPr>
-          <a:xfrm>
-            <a:off x="3831147" y="1392107"/>
-            <a:ext cx="1020417" cy="980661"/>
-          </a:xfrm>
-          <a:prstGeom prst="rect">
-            <a:avLst/>
-          </a:prstGeom>
-          <a:solidFill>
-            <a:schemeClr val="accent2">
-              <a:lumMod val="40000"/>
-              <a:lumOff val="60000"/>
-            </a:schemeClr>
-          </a:solidFill>
-        </p:spPr>
-        <p:style>
-          <a:lnRef idx="2">
-            <a:schemeClr val="accent1">
-              <a:shade val="15000"/>
-            </a:schemeClr>
-          </a:lnRef>
-          <a:fillRef idx="1">
-            <a:schemeClr val="accent1"/>
-          </a:fillRef>
-          <a:effectRef idx="0">
-            <a:schemeClr val="accent1"/>
-          </a:effectRef>
-          <a:fontRef idx="minor">
-            <a:schemeClr val="lt1"/>
-          </a:fontRef>
-        </p:style>
-        <p:txBody>
-          <a:bodyPr rtlCol="0" anchor="ctr"/>
-          <a:lstStyle/>
-          <a:p>
-            <a:pPr algn="ctr"/>
-            <a:endParaRPr lang="en-US"/>
-          </a:p>
-        </p:txBody>
-      </p:sp>
-      <p:sp>
-        <p:nvSpPr>
-          <p:cNvPr id="20" name="Rectangle 19">
-            <a:extLst>
-              <a:ext uri="{FF2B5EF4-FFF2-40B4-BE49-F238E27FC236}">
-                <a16:creationId xmlns:a16="http://schemas.microsoft.com/office/drawing/2014/main" id="{9BBC011E-E1A7-B57A-99DE-FC4E830DB141}"/>
-              </a:ext>
-            </a:extLst>
-          </p:cNvPr>
-          <p:cNvSpPr/>
-          <p:nvPr/>
-        </p:nvSpPr>
-        <p:spPr>
-          <a:xfrm>
-            <a:off x="5003964" y="1392107"/>
-            <a:ext cx="1020417" cy="980661"/>
-          </a:xfrm>
-          <a:prstGeom prst="rect">
-            <a:avLst/>
-          </a:prstGeom>
-          <a:solidFill>
-            <a:schemeClr val="accent2">
-              <a:lumMod val="40000"/>
-              <a:lumOff val="60000"/>
-            </a:schemeClr>
-          </a:solidFill>
-        </p:spPr>
-        <p:style>
-          <a:lnRef idx="2">
-            <a:schemeClr val="accent1">
-              <a:shade val="15000"/>
-            </a:schemeClr>
-          </a:lnRef>
-          <a:fillRef idx="1">
-            <a:schemeClr val="accent1"/>
-          </a:fillRef>
-          <a:effectRef idx="0">
-            <a:schemeClr val="accent1"/>
-          </a:effectRef>
-          <a:fontRef idx="minor">
-            <a:schemeClr val="lt1"/>
-          </a:fontRef>
-        </p:style>
-        <p:txBody>
-          <a:bodyPr rtlCol="0" anchor="ctr"/>
-          <a:lstStyle/>
-          <a:p>
-            <a:pPr algn="ctr"/>
-            <a:endParaRPr lang="en-US"/>
-          </a:p>
-        </p:txBody>
-      </p:sp>
-      <p:sp>
-        <p:nvSpPr>
-          <p:cNvPr id="21" name="Rectangle 20">
-            <a:extLst>
-              <a:ext uri="{FF2B5EF4-FFF2-40B4-BE49-F238E27FC236}">
-                <a16:creationId xmlns:a16="http://schemas.microsoft.com/office/drawing/2014/main" id="{57D9A7F6-6231-52FD-412F-D17AB9896DE3}"/>
-              </a:ext>
-            </a:extLst>
-          </p:cNvPr>
-          <p:cNvSpPr/>
-          <p:nvPr/>
-        </p:nvSpPr>
-        <p:spPr>
-          <a:xfrm>
-            <a:off x="6176780" y="1392107"/>
-            <a:ext cx="1020417" cy="980661"/>
-          </a:xfrm>
-          <a:prstGeom prst="rect">
-            <a:avLst/>
-          </a:prstGeom>
-          <a:solidFill>
-            <a:schemeClr val="accent2">
-              <a:lumMod val="40000"/>
-              <a:lumOff val="60000"/>
-            </a:schemeClr>
-          </a:solidFill>
-        </p:spPr>
-        <p:style>
-          <a:lnRef idx="2">
-            <a:schemeClr val="accent1">
-              <a:shade val="15000"/>
-            </a:schemeClr>
-          </a:lnRef>
-          <a:fillRef idx="1">
-            <a:schemeClr val="accent1"/>
-          </a:fillRef>
-          <a:effectRef idx="0">
-            <a:schemeClr val="accent1"/>
-          </a:effectRef>
-          <a:fontRef idx="minor">
-            <a:schemeClr val="lt1"/>
-          </a:fontRef>
-        </p:style>
-        <p:txBody>
-          <a:bodyPr rtlCol="0" anchor="ctr"/>
-          <a:lstStyle/>
-          <a:p>
-            <a:pPr algn="ctr"/>
-            <a:endParaRPr lang="en-US"/>
-          </a:p>
-        </p:txBody>
-      </p:sp>
-      <p:sp>
-        <p:nvSpPr>
-          <p:cNvPr id="22" name="Rectangle 21">
-            <a:extLst>
-              <a:ext uri="{FF2B5EF4-FFF2-40B4-BE49-F238E27FC236}">
-                <a16:creationId xmlns:a16="http://schemas.microsoft.com/office/drawing/2014/main" id="{AD94364D-B110-0F69-2DF7-D67A77DC5BC1}"/>
-              </a:ext>
-            </a:extLst>
-          </p:cNvPr>
-          <p:cNvSpPr/>
-          <p:nvPr/>
-        </p:nvSpPr>
-        <p:spPr>
-          <a:xfrm>
-            <a:off x="7349598" y="1392107"/>
-            <a:ext cx="1020417" cy="980661"/>
-          </a:xfrm>
-          <a:prstGeom prst="rect">
-            <a:avLst/>
-          </a:prstGeom>
-          <a:solidFill>
-            <a:schemeClr val="accent2">
-              <a:lumMod val="40000"/>
-              <a:lumOff val="60000"/>
-            </a:schemeClr>
-          </a:solidFill>
-        </p:spPr>
-        <p:style>
-          <a:lnRef idx="2">
-            <a:schemeClr val="accent1">
-              <a:shade val="15000"/>
-            </a:schemeClr>
-          </a:lnRef>
-          <a:fillRef idx="1">
-            <a:schemeClr val="accent1"/>
-          </a:fillRef>
-          <a:effectRef idx="0">
-            <a:schemeClr val="accent1"/>
-          </a:effectRef>
-          <a:fontRef idx="minor">
-            <a:schemeClr val="lt1"/>
-          </a:fontRef>
-        </p:style>
-        <p:txBody>
-          <a:bodyPr rtlCol="0" anchor="ctr"/>
-          <a:lstStyle/>
-          <a:p>
-            <a:pPr algn="ctr"/>
-            <a:endParaRPr lang="en-US"/>
-          </a:p>
-        </p:txBody>
-      </p:sp>
-      <p:sp>
-        <p:nvSpPr>
-          <p:cNvPr id="23" name="Rectangle 22">
-            <a:extLst>
-              <a:ext uri="{FF2B5EF4-FFF2-40B4-BE49-F238E27FC236}">
-                <a16:creationId xmlns:a16="http://schemas.microsoft.com/office/drawing/2014/main" id="{DAE1F69F-C11A-3316-1583-FF5CF224305D}"/>
-              </a:ext>
-            </a:extLst>
-          </p:cNvPr>
-          <p:cNvSpPr/>
-          <p:nvPr/>
-        </p:nvSpPr>
-        <p:spPr>
-          <a:xfrm>
-            <a:off x="8522415" y="1392107"/>
-            <a:ext cx="1020417" cy="980661"/>
-          </a:xfrm>
-          <a:prstGeom prst="rect">
-            <a:avLst/>
-          </a:prstGeom>
-          <a:solidFill>
-            <a:schemeClr val="accent2">
-              <a:lumMod val="40000"/>
-              <a:lumOff val="60000"/>
-            </a:schemeClr>
-          </a:solidFill>
-        </p:spPr>
-        <p:style>
-          <a:lnRef idx="2">
-            <a:schemeClr val="accent1">
-              <a:shade val="15000"/>
-            </a:schemeClr>
-          </a:lnRef>
-          <a:fillRef idx="1">
-            <a:schemeClr val="accent1"/>
-          </a:fillRef>
-          <a:effectRef idx="0">
-            <a:schemeClr val="accent1"/>
-          </a:effectRef>
-          <a:fontRef idx="minor">
-            <a:schemeClr val="lt1"/>
-          </a:fontRef>
-        </p:style>
-        <p:txBody>
-          <a:bodyPr rtlCol="0" anchor="ctr"/>
-          <a:lstStyle/>
-          <a:p>
-            <a:pPr algn="ctr"/>
-            <a:endParaRPr lang="en-US"/>
-          </a:p>
-        </p:txBody>
-      </p:sp>
-      <p:sp>
-        <p:nvSpPr>
-          <p:cNvPr id="24" name="Rectangle 23">
-            <a:extLst>
-              <a:ext uri="{FF2B5EF4-FFF2-40B4-BE49-F238E27FC236}">
-                <a16:creationId xmlns:a16="http://schemas.microsoft.com/office/drawing/2014/main" id="{DCCC874C-0204-7DA1-C035-92A07897126D}"/>
-              </a:ext>
-            </a:extLst>
-          </p:cNvPr>
-          <p:cNvSpPr/>
-          <p:nvPr/>
-        </p:nvSpPr>
-        <p:spPr>
-          <a:xfrm>
-            <a:off x="9695232" y="1392107"/>
-            <a:ext cx="1020417" cy="980661"/>
-          </a:xfrm>
-          <a:prstGeom prst="rect">
-            <a:avLst/>
-          </a:prstGeom>
-          <a:solidFill>
-            <a:schemeClr val="accent2">
-              <a:lumMod val="40000"/>
-              <a:lumOff val="60000"/>
-            </a:schemeClr>
-          </a:solidFill>
-        </p:spPr>
-        <p:style>
-          <a:lnRef idx="2">
-            <a:schemeClr val="accent1">
-              <a:shade val="15000"/>
-            </a:schemeClr>
-          </a:lnRef>
-          <a:fillRef idx="1">
-            <a:schemeClr val="accent1"/>
-          </a:fillRef>
-          <a:effectRef idx="0">
-            <a:schemeClr val="accent1"/>
-          </a:effectRef>
-          <a:fontRef idx="minor">
-            <a:schemeClr val="lt1"/>
-          </a:fontRef>
-        </p:style>
-        <p:txBody>
-          <a:bodyPr rtlCol="0" anchor="ctr"/>
-          <a:lstStyle/>
-          <a:p>
-            <a:pPr algn="ctr"/>
-            <a:endParaRPr lang="en-US"/>
-          </a:p>
-        </p:txBody>
-      </p:sp>
-      <p:sp>
-        <p:nvSpPr>
-          <p:cNvPr id="25" name="Rectangle 24">
-            <a:extLst>
-              <a:ext uri="{FF2B5EF4-FFF2-40B4-BE49-F238E27FC236}">
-                <a16:creationId xmlns:a16="http://schemas.microsoft.com/office/drawing/2014/main" id="{DADC5853-2545-8B5E-3763-48DB59B81773}"/>
-              </a:ext>
-            </a:extLst>
-          </p:cNvPr>
-          <p:cNvSpPr/>
-          <p:nvPr/>
-        </p:nvSpPr>
-        <p:spPr>
-          <a:xfrm>
-            <a:off x="10868047" y="1392105"/>
-            <a:ext cx="1020417" cy="980661"/>
-          </a:xfrm>
-          <a:prstGeom prst="rect">
-            <a:avLst/>
-          </a:prstGeom>
-          <a:solidFill>
-            <a:schemeClr val="accent2">
-              <a:lumMod val="40000"/>
-              <a:lumOff val="60000"/>
-            </a:schemeClr>
-          </a:solidFill>
-        </p:spPr>
-        <p:style>
-          <a:lnRef idx="2">
-            <a:schemeClr val="accent1">
-              <a:shade val="15000"/>
-            </a:schemeClr>
-          </a:lnRef>
-          <a:fillRef idx="1">
-            <a:schemeClr val="accent1"/>
-          </a:fillRef>
-          <a:effectRef idx="0">
-            <a:schemeClr val="accent1"/>
-          </a:effectRef>
-          <a:fontRef idx="minor">
-            <a:schemeClr val="lt1"/>
-          </a:fontRef>
-        </p:style>
-        <p:txBody>
-          <a:bodyPr rtlCol="0" anchor="ctr"/>
-          <a:lstStyle/>
-          <a:p>
-            <a:pPr algn="ctr"/>
-            <a:endParaRPr lang="en-US"/>
-          </a:p>
-        </p:txBody>
-      </p:sp>
-      <p:sp>
-        <p:nvSpPr>
-          <p:cNvPr id="26" name="Rectangle 25">
-            <a:extLst>
-              <a:ext uri="{FF2B5EF4-FFF2-40B4-BE49-F238E27FC236}">
-                <a16:creationId xmlns:a16="http://schemas.microsoft.com/office/drawing/2014/main" id="{D108C58A-C335-06CD-D99A-B589C1BB8ABA}"/>
-              </a:ext>
-            </a:extLst>
-          </p:cNvPr>
-          <p:cNvSpPr/>
-          <p:nvPr/>
-        </p:nvSpPr>
-        <p:spPr>
-          <a:xfrm>
-            <a:off x="319320" y="2558297"/>
-            <a:ext cx="1020417" cy="980661"/>
-          </a:xfrm>
-          <a:prstGeom prst="rect">
-            <a:avLst/>
-          </a:prstGeom>
-        </p:spPr>
-        <p:style>
-          <a:lnRef idx="2">
-            <a:schemeClr val="accent1">
-              <a:shade val="15000"/>
-            </a:schemeClr>
-          </a:lnRef>
-          <a:fillRef idx="1">
-            <a:schemeClr val="accent1"/>
-          </a:fillRef>
-          <a:effectRef idx="0">
-            <a:schemeClr val="accent1"/>
-          </a:effectRef>
-          <a:fontRef idx="minor">
-            <a:schemeClr val="lt1"/>
-          </a:fontRef>
-        </p:style>
-        <p:txBody>
-          <a:bodyPr rtlCol="0" anchor="ctr"/>
-          <a:lstStyle/>
-          <a:p>
-            <a:pPr algn="ctr"/>
-            <a:endParaRPr lang="en-US"/>
-          </a:p>
-        </p:txBody>
-      </p:sp>
-      <p:sp>
-        <p:nvSpPr>
-          <p:cNvPr id="27" name="Rectangle 26">
-            <a:extLst>
-              <a:ext uri="{FF2B5EF4-FFF2-40B4-BE49-F238E27FC236}">
-                <a16:creationId xmlns:a16="http://schemas.microsoft.com/office/drawing/2014/main" id="{A0C6AB90-FEA0-2D77-5305-1680E04E0514}"/>
-              </a:ext>
-            </a:extLst>
-          </p:cNvPr>
-          <p:cNvSpPr/>
-          <p:nvPr/>
-        </p:nvSpPr>
-        <p:spPr>
-          <a:xfrm>
-            <a:off x="1492138" y="2558297"/>
-            <a:ext cx="1020417" cy="980661"/>
-          </a:xfrm>
-          <a:prstGeom prst="rect">
-            <a:avLst/>
-          </a:prstGeom>
-        </p:spPr>
-        <p:style>
-          <a:lnRef idx="2">
-            <a:schemeClr val="accent1">
-              <a:shade val="15000"/>
-            </a:schemeClr>
-          </a:lnRef>
-          <a:fillRef idx="1">
-            <a:schemeClr val="accent1"/>
-          </a:fillRef>
-          <a:effectRef idx="0">
-            <a:schemeClr val="accent1"/>
-          </a:effectRef>
-          <a:fontRef idx="minor">
-            <a:schemeClr val="lt1"/>
-          </a:fontRef>
-        </p:style>
-        <p:txBody>
-          <a:bodyPr rtlCol="0" anchor="ctr"/>
-          <a:lstStyle/>
-          <a:p>
-            <a:pPr algn="ctr"/>
-            <a:endParaRPr lang="en-US"/>
-          </a:p>
-        </p:txBody>
-      </p:sp>
-      <p:sp>
-        <p:nvSpPr>
-          <p:cNvPr id="28" name="Rectangle 27">
-            <a:extLst>
-              <a:ext uri="{FF2B5EF4-FFF2-40B4-BE49-F238E27FC236}">
-                <a16:creationId xmlns:a16="http://schemas.microsoft.com/office/drawing/2014/main" id="{61A0EA67-F290-F6B2-CE96-0D49A91075D6}"/>
-              </a:ext>
-            </a:extLst>
-          </p:cNvPr>
-          <p:cNvSpPr/>
-          <p:nvPr/>
-        </p:nvSpPr>
-        <p:spPr>
-          <a:xfrm>
-            <a:off x="2664956" y="2558299"/>
-            <a:ext cx="1020417" cy="980661"/>
-          </a:xfrm>
-          <a:prstGeom prst="rect">
-            <a:avLst/>
-          </a:prstGeom>
-        </p:spPr>
-        <p:style>
-          <a:lnRef idx="2">
-            <a:schemeClr val="accent1">
-              <a:shade val="15000"/>
-            </a:schemeClr>
-          </a:lnRef>
-          <a:fillRef idx="1">
-            <a:schemeClr val="accent1"/>
-          </a:fillRef>
-          <a:effectRef idx="0">
-            <a:schemeClr val="accent1"/>
-          </a:effectRef>
-          <a:fontRef idx="minor">
-            <a:schemeClr val="lt1"/>
-          </a:fontRef>
-        </p:style>
-        <p:txBody>
-          <a:bodyPr rtlCol="0" anchor="ctr"/>
-          <a:lstStyle/>
-          <a:p>
-            <a:pPr algn="ctr"/>
-            <a:endParaRPr lang="en-US"/>
-          </a:p>
-        </p:txBody>
-      </p:sp>
-      <p:sp>
-        <p:nvSpPr>
-          <p:cNvPr id="29" name="Rectangle 28">
-            <a:extLst>
-              <a:ext uri="{FF2B5EF4-FFF2-40B4-BE49-F238E27FC236}">
-                <a16:creationId xmlns:a16="http://schemas.microsoft.com/office/drawing/2014/main" id="{0A78A544-6834-FE49-E715-2A1AF4FFDAAC}"/>
-              </a:ext>
-            </a:extLst>
-          </p:cNvPr>
-          <p:cNvSpPr/>
-          <p:nvPr/>
-        </p:nvSpPr>
-        <p:spPr>
-          <a:xfrm>
-            <a:off x="3831147" y="2558299"/>
-            <a:ext cx="1020417" cy="980661"/>
-          </a:xfrm>
-          <a:prstGeom prst="rect">
-            <a:avLst/>
-          </a:prstGeom>
-        </p:spPr>
-        <p:style>
-          <a:lnRef idx="2">
-            <a:schemeClr val="accent1">
-              <a:shade val="15000"/>
-            </a:schemeClr>
-          </a:lnRef>
-          <a:fillRef idx="1">
-            <a:schemeClr val="accent1"/>
-          </a:fillRef>
-          <a:effectRef idx="0">
-            <a:schemeClr val="accent1"/>
-          </a:effectRef>
-          <a:fontRef idx="minor">
-            <a:schemeClr val="lt1"/>
-          </a:fontRef>
-        </p:style>
-        <p:txBody>
-          <a:bodyPr rtlCol="0" anchor="ctr"/>
-          <a:lstStyle/>
-          <a:p>
-            <a:pPr algn="ctr"/>
-            <a:endParaRPr lang="en-US"/>
-          </a:p>
-        </p:txBody>
-      </p:sp>
-      <p:sp>
-        <p:nvSpPr>
-          <p:cNvPr id="30" name="Rectangle 29">
-            <a:extLst>
-              <a:ext uri="{FF2B5EF4-FFF2-40B4-BE49-F238E27FC236}">
-                <a16:creationId xmlns:a16="http://schemas.microsoft.com/office/drawing/2014/main" id="{908EBF0D-AB72-0259-531F-C181133A8E34}"/>
-              </a:ext>
-            </a:extLst>
-          </p:cNvPr>
-          <p:cNvSpPr/>
-          <p:nvPr/>
-        </p:nvSpPr>
-        <p:spPr>
-          <a:xfrm>
-            <a:off x="5003964" y="2558299"/>
-            <a:ext cx="1020417" cy="980661"/>
-          </a:xfrm>
-          <a:prstGeom prst="rect">
-            <a:avLst/>
-          </a:prstGeom>
-        </p:spPr>
-        <p:style>
-          <a:lnRef idx="2">
-            <a:schemeClr val="accent1">
-              <a:shade val="15000"/>
-            </a:schemeClr>
-          </a:lnRef>
-          <a:fillRef idx="1">
-            <a:schemeClr val="accent1"/>
-          </a:fillRef>
-          <a:effectRef idx="0">
-            <a:schemeClr val="accent1"/>
-          </a:effectRef>
-          <a:fontRef idx="minor">
-            <a:schemeClr val="lt1"/>
-          </a:fontRef>
-        </p:style>
-        <p:txBody>
-          <a:bodyPr rtlCol="0" anchor="ctr"/>
-          <a:lstStyle/>
-          <a:p>
-            <a:pPr algn="ctr"/>
-            <a:endParaRPr lang="en-US"/>
-          </a:p>
-        </p:txBody>
-      </p:sp>
-      <p:sp>
-        <p:nvSpPr>
-          <p:cNvPr id="31" name="Rectangle 30">
-            <a:extLst>
-              <a:ext uri="{FF2B5EF4-FFF2-40B4-BE49-F238E27FC236}">
-                <a16:creationId xmlns:a16="http://schemas.microsoft.com/office/drawing/2014/main" id="{429B7F0F-1791-EA3C-2BC0-DDD9265F58E4}"/>
-              </a:ext>
-            </a:extLst>
-          </p:cNvPr>
-          <p:cNvSpPr/>
-          <p:nvPr/>
-        </p:nvSpPr>
-        <p:spPr>
-          <a:xfrm>
-            <a:off x="6176780" y="2558299"/>
-            <a:ext cx="1020417" cy="980661"/>
-          </a:xfrm>
-          <a:prstGeom prst="rect">
-            <a:avLst/>
-          </a:prstGeom>
-        </p:spPr>
-        <p:style>
-          <a:lnRef idx="2">
-            <a:schemeClr val="accent1">
-              <a:shade val="15000"/>
-            </a:schemeClr>
-          </a:lnRef>
-          <a:fillRef idx="1">
-            <a:schemeClr val="accent1"/>
-          </a:fillRef>
-          <a:effectRef idx="0">
-            <a:schemeClr val="accent1"/>
-          </a:effectRef>
-          <a:fontRef idx="minor">
-            <a:schemeClr val="lt1"/>
-          </a:fontRef>
-        </p:style>
-        <p:txBody>
-          <a:bodyPr rtlCol="0" anchor="ctr"/>
-          <a:lstStyle/>
-          <a:p>
-            <a:pPr algn="ctr"/>
-            <a:endParaRPr lang="en-US"/>
-          </a:p>
-        </p:txBody>
-      </p:sp>
-      <p:sp>
-        <p:nvSpPr>
-          <p:cNvPr id="32" name="Rectangle 31">
-            <a:extLst>
-              <a:ext uri="{FF2B5EF4-FFF2-40B4-BE49-F238E27FC236}">
-                <a16:creationId xmlns:a16="http://schemas.microsoft.com/office/drawing/2014/main" id="{27C7C57C-5D1C-BFE5-B6B3-CBA1C5BAE798}"/>
-              </a:ext>
-            </a:extLst>
-          </p:cNvPr>
-          <p:cNvSpPr/>
-          <p:nvPr/>
-        </p:nvSpPr>
-        <p:spPr>
-          <a:xfrm>
-            <a:off x="7349598" y="2558299"/>
-            <a:ext cx="1020417" cy="980661"/>
-          </a:xfrm>
-          <a:prstGeom prst="rect">
-            <a:avLst/>
-          </a:prstGeom>
-        </p:spPr>
-        <p:style>
-          <a:lnRef idx="2">
-            <a:schemeClr val="accent1">
-              <a:shade val="15000"/>
-            </a:schemeClr>
-          </a:lnRef>
-          <a:fillRef idx="1">
-            <a:schemeClr val="accent1"/>
-          </a:fillRef>
-          <a:effectRef idx="0">
-            <a:schemeClr val="accent1"/>
-          </a:effectRef>
-          <a:fontRef idx="minor">
-            <a:schemeClr val="lt1"/>
-          </a:fontRef>
-        </p:style>
-        <p:txBody>
-          <a:bodyPr rtlCol="0" anchor="ctr"/>
-          <a:lstStyle/>
-          <a:p>
-            <a:pPr algn="ctr"/>
-            <a:endParaRPr lang="en-US"/>
-          </a:p>
-        </p:txBody>
-      </p:sp>
-      <p:sp>
-        <p:nvSpPr>
-          <p:cNvPr id="33" name="Rectangle 32">
-            <a:extLst>
-              <a:ext uri="{FF2B5EF4-FFF2-40B4-BE49-F238E27FC236}">
-                <a16:creationId xmlns:a16="http://schemas.microsoft.com/office/drawing/2014/main" id="{7C77D9F7-96D1-CE8D-2969-008118191F96}"/>
-              </a:ext>
-            </a:extLst>
-          </p:cNvPr>
-          <p:cNvSpPr/>
-          <p:nvPr/>
-        </p:nvSpPr>
-        <p:spPr>
-          <a:xfrm>
-            <a:off x="8522415" y="2558299"/>
-            <a:ext cx="1020417" cy="980661"/>
-          </a:xfrm>
-          <a:prstGeom prst="rect">
-            <a:avLst/>
-          </a:prstGeom>
-        </p:spPr>
-        <p:style>
-          <a:lnRef idx="2">
-            <a:schemeClr val="accent1">
-              <a:shade val="15000"/>
-            </a:schemeClr>
-          </a:lnRef>
-          <a:fillRef idx="1">
-            <a:schemeClr val="accent1"/>
-          </a:fillRef>
-          <a:effectRef idx="0">
-            <a:schemeClr val="accent1"/>
-          </a:effectRef>
-          <a:fontRef idx="minor">
-            <a:schemeClr val="lt1"/>
-          </a:fontRef>
-        </p:style>
-        <p:txBody>
-          <a:bodyPr rtlCol="0" anchor="ctr"/>
-          <a:lstStyle/>
-          <a:p>
-            <a:pPr algn="ctr"/>
-            <a:endParaRPr lang="en-US"/>
-          </a:p>
-        </p:txBody>
-      </p:sp>
-      <p:sp>
-        <p:nvSpPr>
-          <p:cNvPr id="34" name="Rectangle 33">
-            <a:extLst>
-              <a:ext uri="{FF2B5EF4-FFF2-40B4-BE49-F238E27FC236}">
-                <a16:creationId xmlns:a16="http://schemas.microsoft.com/office/drawing/2014/main" id="{825A3238-00DE-10D2-5634-BAC722AAAAFC}"/>
-              </a:ext>
-            </a:extLst>
-          </p:cNvPr>
-          <p:cNvSpPr/>
-          <p:nvPr/>
-        </p:nvSpPr>
-        <p:spPr>
-          <a:xfrm>
-            <a:off x="9695232" y="2558299"/>
-            <a:ext cx="1020417" cy="980661"/>
-          </a:xfrm>
-          <a:prstGeom prst="rect">
-            <a:avLst/>
-          </a:prstGeom>
-        </p:spPr>
-        <p:style>
-          <a:lnRef idx="2">
-            <a:schemeClr val="accent1">
-              <a:shade val="15000"/>
-            </a:schemeClr>
-          </a:lnRef>
-          <a:fillRef idx="1">
-            <a:schemeClr val="accent1"/>
-          </a:fillRef>
-          <a:effectRef idx="0">
-            <a:schemeClr val="accent1"/>
-          </a:effectRef>
-          <a:fontRef idx="minor">
-            <a:schemeClr val="lt1"/>
-          </a:fontRef>
-        </p:style>
-        <p:txBody>
-          <a:bodyPr rtlCol="0" anchor="ctr"/>
-          <a:lstStyle/>
-          <a:p>
-            <a:pPr algn="ctr"/>
-            <a:endParaRPr lang="en-US"/>
-          </a:p>
-        </p:txBody>
-      </p:sp>
-      <p:sp>
-        <p:nvSpPr>
-          <p:cNvPr id="35" name="Rectangle 34">
-            <a:extLst>
-              <a:ext uri="{FF2B5EF4-FFF2-40B4-BE49-F238E27FC236}">
-                <a16:creationId xmlns:a16="http://schemas.microsoft.com/office/drawing/2014/main" id="{1F8165DE-0FBC-589C-A373-D8C70FEDA500}"/>
-              </a:ext>
-            </a:extLst>
-          </p:cNvPr>
-          <p:cNvSpPr/>
-          <p:nvPr/>
-        </p:nvSpPr>
-        <p:spPr>
-          <a:xfrm>
-            <a:off x="10868047" y="2558297"/>
-            <a:ext cx="1020417" cy="980661"/>
-          </a:xfrm>
-          <a:prstGeom prst="rect">
-            <a:avLst/>
-          </a:prstGeom>
-        </p:spPr>
-        <p:style>
-          <a:lnRef idx="2">
-            <a:schemeClr val="accent1">
-              <a:shade val="15000"/>
-            </a:schemeClr>
-          </a:lnRef>
-          <a:fillRef idx="1">
-            <a:schemeClr val="accent1"/>
-          </a:fillRef>
-          <a:effectRef idx="0">
-            <a:schemeClr val="accent1"/>
-          </a:effectRef>
-          <a:fontRef idx="minor">
-            <a:schemeClr val="lt1"/>
-          </a:fontRef>
-        </p:style>
-        <p:txBody>
-          <a:bodyPr rtlCol="0" anchor="ctr"/>
-          <a:lstStyle/>
-          <a:p>
-            <a:pPr algn="ctr"/>
-            <a:endParaRPr lang="en-US"/>
-          </a:p>
-        </p:txBody>
-      </p:sp>
-      <p:sp>
-        <p:nvSpPr>
-          <p:cNvPr id="36" name="Rectangle 35">
-            <a:extLst>
-              <a:ext uri="{FF2B5EF4-FFF2-40B4-BE49-F238E27FC236}">
-                <a16:creationId xmlns:a16="http://schemas.microsoft.com/office/drawing/2014/main" id="{C74A10B1-FF94-4CF4-8ECE-7627FDB1DAAE}"/>
-              </a:ext>
-            </a:extLst>
-          </p:cNvPr>
-          <p:cNvSpPr/>
-          <p:nvPr/>
-        </p:nvSpPr>
-        <p:spPr>
-          <a:xfrm>
-            <a:off x="319320" y="3724489"/>
-            <a:ext cx="1020417" cy="980661"/>
-          </a:xfrm>
-          <a:prstGeom prst="rect">
-            <a:avLst/>
-          </a:prstGeom>
-          <a:solidFill>
-            <a:schemeClr val="accent6">
-              <a:lumMod val="75000"/>
-            </a:schemeClr>
-          </a:solidFill>
-        </p:spPr>
-        <p:style>
-          <a:lnRef idx="2">
-            <a:schemeClr val="accent1">
-              <a:shade val="15000"/>
-            </a:schemeClr>
-          </a:lnRef>
-          <a:fillRef idx="1">
-            <a:schemeClr val="accent1"/>
-          </a:fillRef>
-          <a:effectRef idx="0">
-            <a:schemeClr val="accent1"/>
-          </a:effectRef>
-          <a:fontRef idx="minor">
-            <a:schemeClr val="lt1"/>
-          </a:fontRef>
-        </p:style>
-        <p:txBody>
-          <a:bodyPr rtlCol="0" anchor="ctr"/>
-          <a:lstStyle/>
-          <a:p>
-            <a:pPr algn="ctr"/>
-            <a:endParaRPr lang="en-US"/>
-          </a:p>
-        </p:txBody>
-      </p:sp>
-      <p:sp>
-        <p:nvSpPr>
-          <p:cNvPr id="37" name="Rectangle 36">
-            <a:extLst>
-              <a:ext uri="{FF2B5EF4-FFF2-40B4-BE49-F238E27FC236}">
-                <a16:creationId xmlns:a16="http://schemas.microsoft.com/office/drawing/2014/main" id="{DCBAC640-05C7-3766-2C72-907446810FE1}"/>
-              </a:ext>
-            </a:extLst>
-          </p:cNvPr>
-          <p:cNvSpPr/>
-          <p:nvPr/>
-        </p:nvSpPr>
-        <p:spPr>
-          <a:xfrm>
-            <a:off x="1492138" y="3724489"/>
-            <a:ext cx="1020417" cy="980661"/>
-          </a:xfrm>
-          <a:prstGeom prst="rect">
-            <a:avLst/>
-          </a:prstGeom>
-          <a:solidFill>
-            <a:schemeClr val="accent6">
-              <a:lumMod val="75000"/>
-            </a:schemeClr>
-          </a:solidFill>
-        </p:spPr>
-        <p:style>
-          <a:lnRef idx="2">
-            <a:schemeClr val="accent1">
-              <a:shade val="15000"/>
-            </a:schemeClr>
-          </a:lnRef>
-          <a:fillRef idx="1">
-            <a:schemeClr val="accent1"/>
-          </a:fillRef>
-          <a:effectRef idx="0">
-            <a:schemeClr val="accent1"/>
-          </a:effectRef>
-          <a:fontRef idx="minor">
-            <a:schemeClr val="lt1"/>
-          </a:fontRef>
-        </p:style>
-        <p:txBody>
-          <a:bodyPr rtlCol="0" anchor="ctr"/>
-          <a:lstStyle/>
-          <a:p>
-            <a:pPr algn="ctr"/>
-            <a:endParaRPr lang="en-US"/>
-          </a:p>
-        </p:txBody>
-      </p:sp>
-      <p:sp>
-        <p:nvSpPr>
-          <p:cNvPr id="38" name="Rectangle 37">
-            <a:extLst>
-              <a:ext uri="{FF2B5EF4-FFF2-40B4-BE49-F238E27FC236}">
-                <a16:creationId xmlns:a16="http://schemas.microsoft.com/office/drawing/2014/main" id="{D3CCF0E3-A02F-0413-D6D3-85AF1BE9DAD1}"/>
-              </a:ext>
-            </a:extLst>
-          </p:cNvPr>
-          <p:cNvSpPr/>
-          <p:nvPr/>
-        </p:nvSpPr>
-        <p:spPr>
-          <a:xfrm>
-            <a:off x="2664956" y="3724491"/>
-            <a:ext cx="1020417" cy="980661"/>
-          </a:xfrm>
-          <a:prstGeom prst="rect">
-            <a:avLst/>
-          </a:prstGeom>
-          <a:solidFill>
-            <a:schemeClr val="accent6">
-              <a:lumMod val="75000"/>
-            </a:schemeClr>
-          </a:solidFill>
-        </p:spPr>
-        <p:style>
-          <a:lnRef idx="2">
-            <a:schemeClr val="accent1">
-              <a:shade val="15000"/>
-            </a:schemeClr>
-          </a:lnRef>
-          <a:fillRef idx="1">
-            <a:schemeClr val="accent1"/>
-          </a:fillRef>
-          <a:effectRef idx="0">
-            <a:schemeClr val="accent1"/>
-          </a:effectRef>
-          <a:fontRef idx="minor">
-            <a:schemeClr val="lt1"/>
-          </a:fontRef>
-        </p:style>
-        <p:txBody>
-          <a:bodyPr rtlCol="0" anchor="ctr"/>
-          <a:lstStyle/>
-          <a:p>
-            <a:pPr algn="ctr"/>
-            <a:endParaRPr lang="en-US"/>
-          </a:p>
-        </p:txBody>
-      </p:sp>
-      <p:sp>
-        <p:nvSpPr>
-          <p:cNvPr id="39" name="Rectangle 38">
-            <a:extLst>
-              <a:ext uri="{FF2B5EF4-FFF2-40B4-BE49-F238E27FC236}">
-                <a16:creationId xmlns:a16="http://schemas.microsoft.com/office/drawing/2014/main" id="{1F059511-CE50-5CB0-D6CD-20CED883BC4C}"/>
-              </a:ext>
-            </a:extLst>
-          </p:cNvPr>
-          <p:cNvSpPr/>
-          <p:nvPr/>
-        </p:nvSpPr>
-        <p:spPr>
-          <a:xfrm>
-            <a:off x="3831147" y="3724491"/>
-            <a:ext cx="1020417" cy="980661"/>
-          </a:xfrm>
-          <a:prstGeom prst="rect">
-            <a:avLst/>
-          </a:prstGeom>
-          <a:solidFill>
-            <a:schemeClr val="accent6">
-              <a:lumMod val="75000"/>
-            </a:schemeClr>
-          </a:solidFill>
-        </p:spPr>
-        <p:style>
-          <a:lnRef idx="2">
-            <a:schemeClr val="accent1">
-              <a:shade val="15000"/>
-            </a:schemeClr>
-          </a:lnRef>
-          <a:fillRef idx="1">
-            <a:schemeClr val="accent1"/>
-          </a:fillRef>
-          <a:effectRef idx="0">
-            <a:schemeClr val="accent1"/>
-          </a:effectRef>
-          <a:fontRef idx="minor">
-            <a:schemeClr val="lt1"/>
-          </a:fontRef>
-        </p:style>
-        <p:txBody>
-          <a:bodyPr rtlCol="0" anchor="ctr"/>
-          <a:lstStyle/>
-          <a:p>
-            <a:pPr algn="ctr"/>
-            <a:endParaRPr lang="en-US"/>
-          </a:p>
-        </p:txBody>
-      </p:sp>
-      <p:sp>
-        <p:nvSpPr>
-          <p:cNvPr id="40" name="Rectangle 39">
-            <a:extLst>
-              <a:ext uri="{FF2B5EF4-FFF2-40B4-BE49-F238E27FC236}">
-                <a16:creationId xmlns:a16="http://schemas.microsoft.com/office/drawing/2014/main" id="{8D4A22DF-08AB-45AD-900B-EA8C90131040}"/>
-              </a:ext>
-            </a:extLst>
-          </p:cNvPr>
-          <p:cNvSpPr/>
-          <p:nvPr/>
-        </p:nvSpPr>
-        <p:spPr>
-          <a:xfrm>
-            <a:off x="5003964" y="3724491"/>
-            <a:ext cx="1020417" cy="980661"/>
-          </a:xfrm>
-          <a:prstGeom prst="rect">
-            <a:avLst/>
-          </a:prstGeom>
-          <a:solidFill>
-            <a:schemeClr val="accent6">
-              <a:lumMod val="75000"/>
-            </a:schemeClr>
-          </a:solidFill>
-        </p:spPr>
-        <p:style>
-          <a:lnRef idx="2">
-            <a:schemeClr val="accent1">
-              <a:shade val="15000"/>
-            </a:schemeClr>
-          </a:lnRef>
-          <a:fillRef idx="1">
-            <a:schemeClr val="accent1"/>
-          </a:fillRef>
-          <a:effectRef idx="0">
-            <a:schemeClr val="accent1"/>
-          </a:effectRef>
-          <a:fontRef idx="minor">
-            <a:schemeClr val="lt1"/>
-          </a:fontRef>
-        </p:style>
-        <p:txBody>
-          <a:bodyPr rtlCol="0" anchor="ctr"/>
-          <a:lstStyle/>
-          <a:p>
-            <a:pPr algn="ctr"/>
-            <a:endParaRPr lang="en-US"/>
-          </a:p>
-        </p:txBody>
-      </p:sp>
-      <p:sp>
-        <p:nvSpPr>
-          <p:cNvPr id="41" name="Rectangle 40">
-            <a:extLst>
-              <a:ext uri="{FF2B5EF4-FFF2-40B4-BE49-F238E27FC236}">
-                <a16:creationId xmlns:a16="http://schemas.microsoft.com/office/drawing/2014/main" id="{C563C310-9C61-80B6-F49B-1071727CCBBC}"/>
-              </a:ext>
-            </a:extLst>
-          </p:cNvPr>
-          <p:cNvSpPr/>
-          <p:nvPr/>
-        </p:nvSpPr>
-        <p:spPr>
-          <a:xfrm>
-            <a:off x="6176780" y="3724491"/>
-            <a:ext cx="1020417" cy="980661"/>
-          </a:xfrm>
-          <a:prstGeom prst="rect">
-            <a:avLst/>
-          </a:prstGeom>
-          <a:solidFill>
-            <a:schemeClr val="accent6">
-              <a:lumMod val="75000"/>
-            </a:schemeClr>
-          </a:solidFill>
-        </p:spPr>
-        <p:style>
-          <a:lnRef idx="2">
-            <a:schemeClr val="accent1">
-              <a:shade val="15000"/>
-            </a:schemeClr>
-          </a:lnRef>
-          <a:fillRef idx="1">
-            <a:schemeClr val="accent1"/>
-          </a:fillRef>
-          <a:effectRef idx="0">
-            <a:schemeClr val="accent1"/>
-          </a:effectRef>
-          <a:fontRef idx="minor">
-            <a:schemeClr val="lt1"/>
-          </a:fontRef>
-        </p:style>
-        <p:txBody>
-          <a:bodyPr rtlCol="0" anchor="ctr"/>
-          <a:lstStyle/>
-          <a:p>
-            <a:pPr algn="ctr"/>
-            <a:endParaRPr lang="en-US"/>
-          </a:p>
-        </p:txBody>
-      </p:sp>
-      <p:sp>
-        <p:nvSpPr>
-          <p:cNvPr id="42" name="Rectangle 41">
-            <a:extLst>
-              <a:ext uri="{FF2B5EF4-FFF2-40B4-BE49-F238E27FC236}">
-                <a16:creationId xmlns:a16="http://schemas.microsoft.com/office/drawing/2014/main" id="{724CDA62-666E-C90A-5B3E-AC4087DD5D69}"/>
-              </a:ext>
-            </a:extLst>
-          </p:cNvPr>
-          <p:cNvSpPr/>
-          <p:nvPr/>
-        </p:nvSpPr>
-        <p:spPr>
-          <a:xfrm>
-            <a:off x="7349598" y="3724491"/>
-            <a:ext cx="1020417" cy="980661"/>
-          </a:xfrm>
-          <a:prstGeom prst="rect">
-            <a:avLst/>
-          </a:prstGeom>
-          <a:solidFill>
-            <a:schemeClr val="accent6">
-              <a:lumMod val="75000"/>
-            </a:schemeClr>
-          </a:solidFill>
-        </p:spPr>
-        <p:style>
-          <a:lnRef idx="2">
-            <a:schemeClr val="accent1">
-              <a:shade val="15000"/>
-            </a:schemeClr>
-          </a:lnRef>
-          <a:fillRef idx="1">
-            <a:schemeClr val="accent1"/>
-          </a:fillRef>
-          <a:effectRef idx="0">
-            <a:schemeClr val="accent1"/>
-          </a:effectRef>
-          <a:fontRef idx="minor">
-            <a:schemeClr val="lt1"/>
-          </a:fontRef>
-        </p:style>
-        <p:txBody>
-          <a:bodyPr rtlCol="0" anchor="ctr"/>
-          <a:lstStyle/>
-          <a:p>
-            <a:pPr algn="ctr"/>
-            <a:endParaRPr lang="en-US"/>
-          </a:p>
-        </p:txBody>
-      </p:sp>
-      <p:sp>
-        <p:nvSpPr>
-          <p:cNvPr id="43" name="Rectangle 42">
-            <a:extLst>
-              <a:ext uri="{FF2B5EF4-FFF2-40B4-BE49-F238E27FC236}">
-                <a16:creationId xmlns:a16="http://schemas.microsoft.com/office/drawing/2014/main" id="{4CDEF43A-2BFC-0A92-F969-FC1D32EAA390}"/>
-              </a:ext>
-            </a:extLst>
-          </p:cNvPr>
-          <p:cNvSpPr/>
-          <p:nvPr/>
-        </p:nvSpPr>
-        <p:spPr>
-          <a:xfrm>
-            <a:off x="8522415" y="3724491"/>
-            <a:ext cx="1020417" cy="980661"/>
-          </a:xfrm>
-          <a:prstGeom prst="rect">
-            <a:avLst/>
-          </a:prstGeom>
-          <a:solidFill>
-            <a:schemeClr val="accent6">
-              <a:lumMod val="75000"/>
-            </a:schemeClr>
-          </a:solidFill>
-        </p:spPr>
-        <p:style>
-          <a:lnRef idx="2">
-            <a:schemeClr val="accent1">
-              <a:shade val="15000"/>
-            </a:schemeClr>
-          </a:lnRef>
-          <a:fillRef idx="1">
-            <a:schemeClr val="accent1"/>
-          </a:fillRef>
-          <a:effectRef idx="0">
-            <a:schemeClr val="accent1"/>
-          </a:effectRef>
-          <a:fontRef idx="minor">
-            <a:schemeClr val="lt1"/>
-          </a:fontRef>
-        </p:style>
-        <p:txBody>
-          <a:bodyPr rtlCol="0" anchor="ctr"/>
-          <a:lstStyle/>
-          <a:p>
-            <a:pPr algn="ctr"/>
-            <a:endParaRPr lang="en-US"/>
-          </a:p>
-        </p:txBody>
-      </p:sp>
-      <p:sp>
-        <p:nvSpPr>
-          <p:cNvPr id="44" name="Rectangle 43">
-            <a:extLst>
-              <a:ext uri="{FF2B5EF4-FFF2-40B4-BE49-F238E27FC236}">
-                <a16:creationId xmlns:a16="http://schemas.microsoft.com/office/drawing/2014/main" id="{9EA59000-961D-FC3F-DCA4-A54043FD82A0}"/>
-              </a:ext>
-            </a:extLst>
-          </p:cNvPr>
-          <p:cNvSpPr/>
-          <p:nvPr/>
-        </p:nvSpPr>
-        <p:spPr>
-          <a:xfrm>
-            <a:off x="9695232" y="3724491"/>
-            <a:ext cx="1020417" cy="980661"/>
-          </a:xfrm>
-          <a:prstGeom prst="rect">
-            <a:avLst/>
-          </a:prstGeom>
-          <a:solidFill>
-            <a:schemeClr val="accent6">
-              <a:lumMod val="75000"/>
-            </a:schemeClr>
-          </a:solidFill>
-        </p:spPr>
-        <p:style>
-          <a:lnRef idx="2">
-            <a:schemeClr val="accent1">
-              <a:shade val="15000"/>
-            </a:schemeClr>
-          </a:lnRef>
-          <a:fillRef idx="1">
-            <a:schemeClr val="accent1"/>
-          </a:fillRef>
-          <a:effectRef idx="0">
-            <a:schemeClr val="accent1"/>
-          </a:effectRef>
-          <a:fontRef idx="minor">
-            <a:schemeClr val="lt1"/>
-          </a:fontRef>
-        </p:style>
-        <p:txBody>
-          <a:bodyPr rtlCol="0" anchor="ctr"/>
-          <a:lstStyle/>
-          <a:p>
-            <a:pPr algn="ctr"/>
-            <a:endParaRPr lang="en-US"/>
-          </a:p>
-        </p:txBody>
-      </p:sp>
-      <p:sp>
-        <p:nvSpPr>
-          <p:cNvPr id="45" name="Rectangle 44">
-            <a:extLst>
-              <a:ext uri="{FF2B5EF4-FFF2-40B4-BE49-F238E27FC236}">
-                <a16:creationId xmlns:a16="http://schemas.microsoft.com/office/drawing/2014/main" id="{32E497CA-D785-19AA-97C7-C35B25AAE962}"/>
-              </a:ext>
-            </a:extLst>
-          </p:cNvPr>
-          <p:cNvSpPr/>
-          <p:nvPr/>
-        </p:nvSpPr>
-        <p:spPr>
-          <a:xfrm>
-            <a:off x="10868047" y="3724489"/>
-            <a:ext cx="1020417" cy="980661"/>
-          </a:xfrm>
-          <a:prstGeom prst="rect">
-            <a:avLst/>
-          </a:prstGeom>
-          <a:solidFill>
-            <a:schemeClr val="accent6">
-              <a:lumMod val="75000"/>
-            </a:schemeClr>
-          </a:solidFill>
-        </p:spPr>
-        <p:style>
-          <a:lnRef idx="2">
-            <a:schemeClr val="accent1">
-              <a:shade val="15000"/>
-            </a:schemeClr>
-          </a:lnRef>
-          <a:fillRef idx="1">
-            <a:schemeClr val="accent1"/>
-          </a:fillRef>
-          <a:effectRef idx="0">
-            <a:schemeClr val="accent1"/>
-          </a:effectRef>
-          <a:fontRef idx="minor">
-            <a:schemeClr val="lt1"/>
-          </a:fontRef>
-        </p:style>
-        <p:txBody>
-          <a:bodyPr rtlCol="0" anchor="ctr"/>
-          <a:lstStyle/>
-          <a:p>
-            <a:pPr algn="ctr"/>
-            <a:endParaRPr lang="en-US"/>
-          </a:p>
-        </p:txBody>
-      </p:sp>
-      <p:sp>
-        <p:nvSpPr>
-          <p:cNvPr id="46" name="Rectangle 45">
-            <a:extLst>
-              <a:ext uri="{FF2B5EF4-FFF2-40B4-BE49-F238E27FC236}">
-                <a16:creationId xmlns:a16="http://schemas.microsoft.com/office/drawing/2014/main" id="{333A08A2-5BF1-2ABB-5CA8-327B0E12F774}"/>
-              </a:ext>
-            </a:extLst>
-          </p:cNvPr>
-          <p:cNvSpPr/>
-          <p:nvPr/>
-        </p:nvSpPr>
-        <p:spPr>
-          <a:xfrm>
-            <a:off x="332579" y="4890681"/>
-            <a:ext cx="1020417" cy="980661"/>
-          </a:xfrm>
-          <a:prstGeom prst="rect">
-            <a:avLst/>
-          </a:prstGeom>
-          <a:solidFill>
-            <a:srgbClr val="FFFF00"/>
-          </a:solidFill>
-        </p:spPr>
-        <p:style>
-          <a:lnRef idx="2">
-            <a:schemeClr val="accent1">
-              <a:shade val="15000"/>
-            </a:schemeClr>
-          </a:lnRef>
-          <a:fillRef idx="1">
-            <a:schemeClr val="accent1"/>
-          </a:fillRef>
-          <a:effectRef idx="0">
-            <a:schemeClr val="accent1"/>
-          </a:effectRef>
-          <a:fontRef idx="minor">
-            <a:schemeClr val="lt1"/>
-          </a:fontRef>
-        </p:style>
-        <p:txBody>
-          <a:bodyPr rtlCol="0" anchor="ctr"/>
-          <a:lstStyle/>
-          <a:p>
-            <a:pPr algn="ctr"/>
-            <a:endParaRPr lang="en-US"/>
-          </a:p>
-        </p:txBody>
-      </p:sp>
-      <p:sp>
-        <p:nvSpPr>
-          <p:cNvPr id="47" name="Rectangle 46">
-            <a:extLst>
-              <a:ext uri="{FF2B5EF4-FFF2-40B4-BE49-F238E27FC236}">
-                <a16:creationId xmlns:a16="http://schemas.microsoft.com/office/drawing/2014/main" id="{CCD7768B-0A78-0D5A-9A6C-3F5C72CA1B7D}"/>
-              </a:ext>
-            </a:extLst>
-          </p:cNvPr>
-          <p:cNvSpPr/>
-          <p:nvPr/>
-        </p:nvSpPr>
-        <p:spPr>
-          <a:xfrm>
-            <a:off x="1505396" y="4890681"/>
-            <a:ext cx="1020417" cy="980661"/>
-          </a:xfrm>
-          <a:prstGeom prst="rect">
-            <a:avLst/>
-          </a:prstGeom>
-          <a:solidFill>
-            <a:srgbClr val="FFFF00"/>
-          </a:solidFill>
-        </p:spPr>
-        <p:style>
-          <a:lnRef idx="2">
-            <a:schemeClr val="accent1">
-              <a:shade val="15000"/>
-            </a:schemeClr>
-          </a:lnRef>
-          <a:fillRef idx="1">
-            <a:schemeClr val="accent1"/>
-          </a:fillRef>
-          <a:effectRef idx="0">
-            <a:schemeClr val="accent1"/>
-          </a:effectRef>
-          <a:fontRef idx="minor">
-            <a:schemeClr val="lt1"/>
-          </a:fontRef>
-        </p:style>
-        <p:txBody>
-          <a:bodyPr rtlCol="0" anchor="ctr"/>
-          <a:lstStyle/>
-          <a:p>
-            <a:pPr algn="ctr"/>
-            <a:endParaRPr lang="en-US"/>
-          </a:p>
-        </p:txBody>
-      </p:sp>
-      <p:sp>
-        <p:nvSpPr>
-          <p:cNvPr id="48" name="Rectangle 47">
-            <a:extLst>
-              <a:ext uri="{FF2B5EF4-FFF2-40B4-BE49-F238E27FC236}">
-                <a16:creationId xmlns:a16="http://schemas.microsoft.com/office/drawing/2014/main" id="{0CF71789-DC3F-A081-1F12-9C3715BC1F16}"/>
-              </a:ext>
-            </a:extLst>
-          </p:cNvPr>
-          <p:cNvSpPr/>
-          <p:nvPr/>
-        </p:nvSpPr>
-        <p:spPr>
-          <a:xfrm>
-            <a:off x="2678215" y="4890683"/>
-            <a:ext cx="1020417" cy="980661"/>
-          </a:xfrm>
-          <a:prstGeom prst="rect">
-            <a:avLst/>
-          </a:prstGeom>
-          <a:solidFill>
-            <a:srgbClr val="FFFF00"/>
-          </a:solidFill>
-        </p:spPr>
-        <p:style>
-          <a:lnRef idx="2">
-            <a:schemeClr val="accent1">
-              <a:shade val="15000"/>
-            </a:schemeClr>
-          </a:lnRef>
-          <a:fillRef idx="1">
-            <a:schemeClr val="accent1"/>
-          </a:fillRef>
-          <a:effectRef idx="0">
-            <a:schemeClr val="accent1"/>
-          </a:effectRef>
-          <a:fontRef idx="minor">
-            <a:schemeClr val="lt1"/>
-          </a:fontRef>
-        </p:style>
-        <p:txBody>
-          <a:bodyPr rtlCol="0" anchor="ctr"/>
-          <a:lstStyle/>
-          <a:p>
-            <a:pPr algn="ctr"/>
-            <a:endParaRPr lang="en-US"/>
-          </a:p>
-        </p:txBody>
-      </p:sp>
-      <p:sp>
-        <p:nvSpPr>
-          <p:cNvPr id="49" name="Rectangle 48">
-            <a:extLst>
-              <a:ext uri="{FF2B5EF4-FFF2-40B4-BE49-F238E27FC236}">
-                <a16:creationId xmlns:a16="http://schemas.microsoft.com/office/drawing/2014/main" id="{30B2C61D-FF91-0338-BDFE-372F879C1D37}"/>
-              </a:ext>
-            </a:extLst>
-          </p:cNvPr>
-          <p:cNvSpPr/>
-          <p:nvPr/>
-        </p:nvSpPr>
-        <p:spPr>
-          <a:xfrm>
-            <a:off x="3844404" y="4890683"/>
-            <a:ext cx="1020417" cy="980661"/>
-          </a:xfrm>
-          <a:prstGeom prst="rect">
-            <a:avLst/>
-          </a:prstGeom>
-          <a:solidFill>
-            <a:srgbClr val="FFFF00"/>
-          </a:solidFill>
-        </p:spPr>
-        <p:style>
-          <a:lnRef idx="2">
-            <a:schemeClr val="accent1">
-              <a:shade val="15000"/>
-            </a:schemeClr>
-          </a:lnRef>
-          <a:fillRef idx="1">
-            <a:schemeClr val="accent1"/>
-          </a:fillRef>
-          <a:effectRef idx="0">
-            <a:schemeClr val="accent1"/>
-          </a:effectRef>
-          <a:fontRef idx="minor">
-            <a:schemeClr val="lt1"/>
-          </a:fontRef>
-        </p:style>
-        <p:txBody>
-          <a:bodyPr rtlCol="0" anchor="ctr"/>
-          <a:lstStyle/>
-          <a:p>
-            <a:pPr algn="ctr"/>
-            <a:endParaRPr lang="en-US"/>
-          </a:p>
-        </p:txBody>
-      </p:sp>
-      <p:sp>
-        <p:nvSpPr>
-          <p:cNvPr id="50" name="Rectangle 49">
-            <a:extLst>
-              <a:ext uri="{FF2B5EF4-FFF2-40B4-BE49-F238E27FC236}">
-                <a16:creationId xmlns:a16="http://schemas.microsoft.com/office/drawing/2014/main" id="{4188A13E-0220-682F-672A-7A1805D2C60B}"/>
-              </a:ext>
-            </a:extLst>
-          </p:cNvPr>
-          <p:cNvSpPr/>
-          <p:nvPr/>
-        </p:nvSpPr>
-        <p:spPr>
-          <a:xfrm>
-            <a:off x="5017222" y="4890683"/>
-            <a:ext cx="1020417" cy="980661"/>
-          </a:xfrm>
-          <a:prstGeom prst="rect">
-            <a:avLst/>
-          </a:prstGeom>
-          <a:solidFill>
-            <a:srgbClr val="FFFF00"/>
-          </a:solidFill>
-        </p:spPr>
-        <p:style>
-          <a:lnRef idx="2">
-            <a:schemeClr val="accent1">
-              <a:shade val="15000"/>
-            </a:schemeClr>
-          </a:lnRef>
-          <a:fillRef idx="1">
-            <a:schemeClr val="accent1"/>
-          </a:fillRef>
-          <a:effectRef idx="0">
-            <a:schemeClr val="accent1"/>
-          </a:effectRef>
-          <a:fontRef idx="minor">
-            <a:schemeClr val="lt1"/>
-          </a:fontRef>
-        </p:style>
-        <p:txBody>
-          <a:bodyPr rtlCol="0" anchor="ctr"/>
-          <a:lstStyle/>
-          <a:p>
-            <a:pPr algn="ctr"/>
-            <a:endParaRPr lang="en-US"/>
-          </a:p>
-        </p:txBody>
-      </p:sp>
-      <p:sp>
-        <p:nvSpPr>
-          <p:cNvPr id="51" name="Rectangle 50">
-            <a:extLst>
-              <a:ext uri="{FF2B5EF4-FFF2-40B4-BE49-F238E27FC236}">
-                <a16:creationId xmlns:a16="http://schemas.microsoft.com/office/drawing/2014/main" id="{0C85FA0D-82F1-81BD-6F9D-D67FBFDFFC64}"/>
-              </a:ext>
-            </a:extLst>
-          </p:cNvPr>
-          <p:cNvSpPr/>
-          <p:nvPr/>
-        </p:nvSpPr>
-        <p:spPr>
-          <a:xfrm>
-            <a:off x="6190039" y="4890683"/>
-            <a:ext cx="1020417" cy="980661"/>
-          </a:xfrm>
-          <a:prstGeom prst="rect">
-            <a:avLst/>
-          </a:prstGeom>
-          <a:solidFill>
-            <a:srgbClr val="FFFF00"/>
-          </a:solidFill>
-        </p:spPr>
-        <p:style>
-          <a:lnRef idx="2">
-            <a:schemeClr val="accent1">
-              <a:shade val="15000"/>
-            </a:schemeClr>
-          </a:lnRef>
-          <a:fillRef idx="1">
-            <a:schemeClr val="accent1"/>
-          </a:fillRef>
-          <a:effectRef idx="0">
-            <a:schemeClr val="accent1"/>
-          </a:effectRef>
-          <a:fontRef idx="minor">
-            <a:schemeClr val="lt1"/>
-          </a:fontRef>
-        </p:style>
-        <p:txBody>
-          <a:bodyPr rtlCol="0" anchor="ctr"/>
-          <a:lstStyle/>
-          <a:p>
-            <a:pPr algn="ctr"/>
-            <a:endParaRPr lang="en-US"/>
-          </a:p>
-        </p:txBody>
-      </p:sp>
-      <p:sp>
-        <p:nvSpPr>
-          <p:cNvPr id="52" name="Rectangle 51">
-            <a:extLst>
-              <a:ext uri="{FF2B5EF4-FFF2-40B4-BE49-F238E27FC236}">
-                <a16:creationId xmlns:a16="http://schemas.microsoft.com/office/drawing/2014/main" id="{CCC3398F-84BF-1EED-119C-A3468BB14946}"/>
-              </a:ext>
-            </a:extLst>
-          </p:cNvPr>
-          <p:cNvSpPr/>
-          <p:nvPr/>
-        </p:nvSpPr>
-        <p:spPr>
-          <a:xfrm>
-            <a:off x="7362856" y="4890683"/>
-            <a:ext cx="1020417" cy="980661"/>
-          </a:xfrm>
-          <a:prstGeom prst="rect">
-            <a:avLst/>
-          </a:prstGeom>
-          <a:solidFill>
-            <a:srgbClr val="FFFF00"/>
-          </a:solidFill>
-        </p:spPr>
-        <p:style>
-          <a:lnRef idx="2">
-            <a:schemeClr val="accent1">
-              <a:shade val="15000"/>
-            </a:schemeClr>
-          </a:lnRef>
-          <a:fillRef idx="1">
-            <a:schemeClr val="accent1"/>
-          </a:fillRef>
-          <a:effectRef idx="0">
-            <a:schemeClr val="accent1"/>
-          </a:effectRef>
-          <a:fontRef idx="minor">
-            <a:schemeClr val="lt1"/>
-          </a:fontRef>
-        </p:style>
-        <p:txBody>
-          <a:bodyPr rtlCol="0" anchor="ctr"/>
-          <a:lstStyle/>
-          <a:p>
-            <a:pPr algn="ctr"/>
-            <a:endParaRPr lang="en-US"/>
-          </a:p>
-        </p:txBody>
-      </p:sp>
-      <p:sp>
-        <p:nvSpPr>
-          <p:cNvPr id="53" name="Rectangle 52">
-            <a:extLst>
-              <a:ext uri="{FF2B5EF4-FFF2-40B4-BE49-F238E27FC236}">
-                <a16:creationId xmlns:a16="http://schemas.microsoft.com/office/drawing/2014/main" id="{917F3E44-E8A4-0641-2F69-BD0E0DD2C67E}"/>
-              </a:ext>
-            </a:extLst>
-          </p:cNvPr>
-          <p:cNvSpPr/>
-          <p:nvPr/>
-        </p:nvSpPr>
-        <p:spPr>
-          <a:xfrm>
-            <a:off x="8535672" y="4890683"/>
-            <a:ext cx="1020417" cy="980661"/>
-          </a:xfrm>
-          <a:prstGeom prst="rect">
-            <a:avLst/>
-          </a:prstGeom>
-          <a:solidFill>
-            <a:srgbClr val="FFFF00"/>
-          </a:solidFill>
-        </p:spPr>
-        <p:style>
-          <a:lnRef idx="2">
-            <a:schemeClr val="accent1">
-              <a:shade val="15000"/>
-            </a:schemeClr>
-          </a:lnRef>
-          <a:fillRef idx="1">
-            <a:schemeClr val="accent1"/>
-          </a:fillRef>
-          <a:effectRef idx="0">
-            <a:schemeClr val="accent1"/>
-          </a:effectRef>
-          <a:fontRef idx="minor">
-            <a:schemeClr val="lt1"/>
-          </a:fontRef>
-        </p:style>
-        <p:txBody>
-          <a:bodyPr rtlCol="0" anchor="ctr"/>
-          <a:lstStyle/>
-          <a:p>
-            <a:pPr algn="ctr"/>
-            <a:endParaRPr lang="en-US"/>
-          </a:p>
-        </p:txBody>
-      </p:sp>
-      <p:sp>
-        <p:nvSpPr>
-          <p:cNvPr id="54" name="Rectangle 53">
-            <a:extLst>
-              <a:ext uri="{FF2B5EF4-FFF2-40B4-BE49-F238E27FC236}">
-                <a16:creationId xmlns:a16="http://schemas.microsoft.com/office/drawing/2014/main" id="{2EDDFEB5-F518-F384-06BD-8C4A0228C122}"/>
-              </a:ext>
-            </a:extLst>
-          </p:cNvPr>
-          <p:cNvSpPr/>
-          <p:nvPr/>
-        </p:nvSpPr>
-        <p:spPr>
-          <a:xfrm>
-            <a:off x="9708490" y="4890683"/>
-            <a:ext cx="1020417" cy="980661"/>
-          </a:xfrm>
-          <a:prstGeom prst="rect">
-            <a:avLst/>
-          </a:prstGeom>
-          <a:solidFill>
-            <a:srgbClr val="FFFF00"/>
-          </a:solidFill>
-        </p:spPr>
-        <p:style>
-          <a:lnRef idx="2">
-            <a:schemeClr val="accent1">
-              <a:shade val="15000"/>
-            </a:schemeClr>
-          </a:lnRef>
-          <a:fillRef idx="1">
-            <a:schemeClr val="accent1"/>
-          </a:fillRef>
-          <a:effectRef idx="0">
-            <a:schemeClr val="accent1"/>
-          </a:effectRef>
-          <a:fontRef idx="minor">
-            <a:schemeClr val="lt1"/>
-          </a:fontRef>
-        </p:style>
-        <p:txBody>
-          <a:bodyPr rtlCol="0" anchor="ctr"/>
-          <a:lstStyle/>
-          <a:p>
-            <a:pPr algn="ctr"/>
-            <a:endParaRPr lang="en-US"/>
-          </a:p>
-        </p:txBody>
-      </p:sp>
-      <p:sp>
-        <p:nvSpPr>
-          <p:cNvPr id="55" name="Rectangle 54">
-            <a:extLst>
-              <a:ext uri="{FF2B5EF4-FFF2-40B4-BE49-F238E27FC236}">
-                <a16:creationId xmlns:a16="http://schemas.microsoft.com/office/drawing/2014/main" id="{68C63989-4266-6990-B594-CEBAEE29F301}"/>
-              </a:ext>
-            </a:extLst>
-          </p:cNvPr>
-          <p:cNvSpPr/>
-          <p:nvPr/>
-        </p:nvSpPr>
-        <p:spPr>
-          <a:xfrm>
-            <a:off x="10881304" y="4890681"/>
-            <a:ext cx="1020417" cy="980661"/>
-          </a:xfrm>
-          <a:prstGeom prst="rect">
-            <a:avLst/>
-          </a:prstGeom>
-          <a:solidFill>
-            <a:srgbClr val="FFFF00"/>
-          </a:solidFill>
-        </p:spPr>
-        <p:style>
-          <a:lnRef idx="2">
-            <a:schemeClr val="accent1">
-              <a:shade val="15000"/>
-            </a:schemeClr>
-          </a:lnRef>
-          <a:fillRef idx="1">
-            <a:schemeClr val="accent1"/>
-          </a:fillRef>
-          <a:effectRef idx="0">
-            <a:schemeClr val="accent1"/>
-          </a:effectRef>
-          <a:fontRef idx="minor">
-            <a:schemeClr val="lt1"/>
-          </a:fontRef>
-        </p:style>
-        <p:txBody>
-          <a:bodyPr rtlCol="0" anchor="ctr"/>
-          <a:lstStyle/>
-          <a:p>
-            <a:pPr algn="ctr"/>
-            <a:endParaRPr lang="en-US"/>
-          </a:p>
-        </p:txBody>
-      </p:sp>
-      <p:sp>
-        <p:nvSpPr>
-          <p:cNvPr id="67" name="Rectangle 66">
-            <a:extLst>
-              <a:ext uri="{FF2B5EF4-FFF2-40B4-BE49-F238E27FC236}">
-                <a16:creationId xmlns:a16="http://schemas.microsoft.com/office/drawing/2014/main" id="{3AA85FCE-F7B2-8AFD-0010-7F7BB221CB85}"/>
-              </a:ext>
-            </a:extLst>
-          </p:cNvPr>
-          <p:cNvSpPr/>
-          <p:nvPr/>
-        </p:nvSpPr>
-        <p:spPr>
-          <a:xfrm>
-            <a:off x="-66674" y="-85724"/>
-            <a:ext cx="12372974" cy="6051096"/>
-          </a:xfrm>
-          <a:prstGeom prst="rect">
-            <a:avLst/>
-          </a:prstGeom>
-          <a:noFill/>
-          <a:ln w="76200">
-            <a:solidFill>
-              <a:schemeClr val="tx1"/>
-            </a:solidFill>
-          </a:ln>
-        </p:spPr>
-        <p:style>
-          <a:lnRef idx="2">
-            <a:schemeClr val="accent1">
-              <a:shade val="15000"/>
-            </a:schemeClr>
-          </a:lnRef>
-          <a:fillRef idx="1">
-            <a:schemeClr val="accent1"/>
-          </a:fillRef>
-          <a:effectRef idx="0">
-            <a:schemeClr val="accent1"/>
-          </a:effectRef>
-          <a:fontRef idx="minor">
-            <a:schemeClr val="lt1"/>
-          </a:fontRef>
-        </p:style>
-        <p:txBody>
-          <a:bodyPr rtlCol="0" anchor="ctr"/>
-          <a:lstStyle/>
-          <a:p>
-            <a:pPr algn="ctr"/>
-            <a:endParaRPr lang="en-US"/>
-          </a:p>
-        </p:txBody>
-      </p:sp>
+      </p:cxnSp>
     </p:spTree>
     <p:extLst>
       <p:ext uri="{BB962C8B-B14F-4D97-AF65-F5344CB8AC3E}">
